--- a/Track - Machine Learning/Machine Learning Curriculum.pptx
+++ b/Track - Machine Learning/Machine Learning Curriculum.pptx
@@ -183,10 +183,9 @@
           </a:lstStyle>
           <a:p>
             <a:r>
-              <a:rPr lang="en-US" smtClean="0"/>
+              <a:rPr lang="en-US"/>
               <a:t>Click to edit Master title style</a:t>
             </a:r>
-            <a:endParaRPr lang="en-US"/>
           </a:p>
         </p:txBody>
       </p:sp>
@@ -248,10 +247,9 @@
           </a:lstStyle>
           <a:p>
             <a:r>
-              <a:rPr lang="en-US" smtClean="0"/>
+              <a:rPr lang="en-US"/>
               <a:t>Click to edit Master subtitle style</a:t>
             </a:r>
-            <a:endParaRPr lang="en-US"/>
           </a:p>
         </p:txBody>
       </p:sp>
@@ -273,7 +271,7 @@
             <a:fld id="{B61BEF0D-F0BB-DE4B-95CE-6DB70DBA9567}" type="datetimeFigureOut">
               <a:rPr lang="en-US" smtClean="0"/>
               <a:pPr/>
-              <a:t>5/15/2019</a:t>
+              <a:t>5/28/2019</a:t>
             </a:fld>
             <a:endParaRPr lang="en-US" dirty="0"/>
           </a:p>
@@ -368,10 +366,9 @@
           <a:lstStyle/>
           <a:p>
             <a:r>
-              <a:rPr lang="en-US" smtClean="0"/>
+              <a:rPr lang="en-US"/>
               <a:t>Click to edit Master title style</a:t>
             </a:r>
-            <a:endParaRPr lang="en-US"/>
           </a:p>
         </p:txBody>
       </p:sp>
@@ -392,38 +389,37 @@
           <a:p>
             <a:pPr lvl="0"/>
             <a:r>
-              <a:rPr lang="en-US" smtClean="0"/>
+              <a:rPr lang="en-US"/>
               <a:t>Edit Master text styles</a:t>
             </a:r>
           </a:p>
           <a:p>
             <a:pPr lvl="1"/>
             <a:r>
-              <a:rPr lang="en-US" smtClean="0"/>
+              <a:rPr lang="en-US"/>
               <a:t>Second level</a:t>
             </a:r>
           </a:p>
           <a:p>
             <a:pPr lvl="2"/>
             <a:r>
-              <a:rPr lang="en-US" smtClean="0"/>
+              <a:rPr lang="en-US"/>
               <a:t>Third level</a:t>
             </a:r>
           </a:p>
           <a:p>
             <a:pPr lvl="3"/>
             <a:r>
-              <a:rPr lang="en-US" smtClean="0"/>
+              <a:rPr lang="en-US"/>
               <a:t>Fourth level</a:t>
             </a:r>
           </a:p>
           <a:p>
             <a:pPr lvl="4"/>
             <a:r>
-              <a:rPr lang="en-US" smtClean="0"/>
+              <a:rPr lang="en-US"/>
               <a:t>Fifth level</a:t>
             </a:r>
-            <a:endParaRPr lang="en-US"/>
           </a:p>
         </p:txBody>
       </p:sp>
@@ -445,7 +441,7 @@
             <a:fld id="{B61BEF0D-F0BB-DE4B-95CE-6DB70DBA9567}" type="datetimeFigureOut">
               <a:rPr lang="en-US" smtClean="0"/>
               <a:pPr/>
-              <a:t>5/15/2019</a:t>
+              <a:t>5/28/2019</a:t>
             </a:fld>
             <a:endParaRPr lang="en-US" dirty="0"/>
           </a:p>
@@ -545,10 +541,9 @@
           <a:lstStyle/>
           <a:p>
             <a:r>
-              <a:rPr lang="en-US" smtClean="0"/>
+              <a:rPr lang="en-US"/>
               <a:t>Click to edit Master title style</a:t>
             </a:r>
-            <a:endParaRPr lang="en-US"/>
           </a:p>
         </p:txBody>
       </p:sp>
@@ -574,38 +569,37 @@
           <a:p>
             <a:pPr lvl="0"/>
             <a:r>
-              <a:rPr lang="en-US" smtClean="0"/>
+              <a:rPr lang="en-US"/>
               <a:t>Edit Master text styles</a:t>
             </a:r>
           </a:p>
           <a:p>
             <a:pPr lvl="1"/>
             <a:r>
-              <a:rPr lang="en-US" smtClean="0"/>
+              <a:rPr lang="en-US"/>
               <a:t>Second level</a:t>
             </a:r>
           </a:p>
           <a:p>
             <a:pPr lvl="2"/>
             <a:r>
-              <a:rPr lang="en-US" smtClean="0"/>
+              <a:rPr lang="en-US"/>
               <a:t>Third level</a:t>
             </a:r>
           </a:p>
           <a:p>
             <a:pPr lvl="3"/>
             <a:r>
-              <a:rPr lang="en-US" smtClean="0"/>
+              <a:rPr lang="en-US"/>
               <a:t>Fourth level</a:t>
             </a:r>
           </a:p>
           <a:p>
             <a:pPr lvl="4"/>
             <a:r>
-              <a:rPr lang="en-US" smtClean="0"/>
+              <a:rPr lang="en-US"/>
               <a:t>Fifth level</a:t>
             </a:r>
-            <a:endParaRPr lang="en-US"/>
           </a:p>
         </p:txBody>
       </p:sp>
@@ -627,7 +621,7 @@
             <a:fld id="{B61BEF0D-F0BB-DE4B-95CE-6DB70DBA9567}" type="datetimeFigureOut">
               <a:rPr lang="en-US" smtClean="0"/>
               <a:pPr/>
-              <a:t>5/15/2019</a:t>
+              <a:t>5/28/2019</a:t>
             </a:fld>
             <a:endParaRPr lang="en-US" dirty="0"/>
           </a:p>
@@ -722,10 +716,9 @@
           <a:lstStyle/>
           <a:p>
             <a:r>
-              <a:rPr lang="en-US" smtClean="0"/>
+              <a:rPr lang="en-US"/>
               <a:t>Click to edit Master title style</a:t>
             </a:r>
-            <a:endParaRPr lang="en-US"/>
           </a:p>
         </p:txBody>
       </p:sp>
@@ -746,38 +739,37 @@
           <a:p>
             <a:pPr lvl="0"/>
             <a:r>
-              <a:rPr lang="en-US" smtClean="0"/>
+              <a:rPr lang="en-US"/>
               <a:t>Edit Master text styles</a:t>
             </a:r>
           </a:p>
           <a:p>
             <a:pPr lvl="1"/>
             <a:r>
-              <a:rPr lang="en-US" smtClean="0"/>
+              <a:rPr lang="en-US"/>
               <a:t>Second level</a:t>
             </a:r>
           </a:p>
           <a:p>
             <a:pPr lvl="2"/>
             <a:r>
-              <a:rPr lang="en-US" smtClean="0"/>
+              <a:rPr lang="en-US"/>
               <a:t>Third level</a:t>
             </a:r>
           </a:p>
           <a:p>
             <a:pPr lvl="3"/>
             <a:r>
-              <a:rPr lang="en-US" smtClean="0"/>
+              <a:rPr lang="en-US"/>
               <a:t>Fourth level</a:t>
             </a:r>
           </a:p>
           <a:p>
             <a:pPr lvl="4"/>
             <a:r>
-              <a:rPr lang="en-US" smtClean="0"/>
+              <a:rPr lang="en-US"/>
               <a:t>Fifth level</a:t>
             </a:r>
-            <a:endParaRPr lang="en-US"/>
           </a:p>
         </p:txBody>
       </p:sp>
@@ -799,7 +791,7 @@
             <a:fld id="{B61BEF0D-F0BB-DE4B-95CE-6DB70DBA9567}" type="datetimeFigureOut">
               <a:rPr lang="en-US" smtClean="0"/>
               <a:pPr/>
-              <a:t>5/15/2019</a:t>
+              <a:t>5/28/2019</a:t>
             </a:fld>
             <a:endParaRPr lang="en-US" dirty="0"/>
           </a:p>
@@ -903,10 +895,9 @@
           </a:lstStyle>
           <a:p>
             <a:r>
-              <a:rPr lang="en-US" smtClean="0"/>
+              <a:rPr lang="en-US"/>
               <a:t>Click to edit Master title style</a:t>
             </a:r>
-            <a:endParaRPr lang="en-US"/>
           </a:p>
         </p:txBody>
       </p:sp>
@@ -1023,7 +1014,7 @@
           <a:p>
             <a:pPr lvl="0"/>
             <a:r>
-              <a:rPr lang="en-US" smtClean="0"/>
+              <a:rPr lang="en-US"/>
               <a:t>Edit Master text styles</a:t>
             </a:r>
           </a:p>
@@ -1047,7 +1038,7 @@
             <a:fld id="{B61BEF0D-F0BB-DE4B-95CE-6DB70DBA9567}" type="datetimeFigureOut">
               <a:rPr lang="en-US" smtClean="0"/>
               <a:pPr/>
-              <a:t>5/15/2019</a:t>
+              <a:t>5/28/2019</a:t>
             </a:fld>
             <a:endParaRPr lang="en-US" dirty="0"/>
           </a:p>
@@ -1142,10 +1133,9 @@
           <a:lstStyle/>
           <a:p>
             <a:r>
-              <a:rPr lang="en-US" smtClean="0"/>
+              <a:rPr lang="en-US"/>
               <a:t>Click to edit Master title style</a:t>
             </a:r>
-            <a:endParaRPr lang="en-US"/>
           </a:p>
         </p:txBody>
       </p:sp>
@@ -1171,38 +1161,37 @@
           <a:p>
             <a:pPr lvl="0"/>
             <a:r>
-              <a:rPr lang="en-US" smtClean="0"/>
+              <a:rPr lang="en-US"/>
               <a:t>Edit Master text styles</a:t>
             </a:r>
           </a:p>
           <a:p>
             <a:pPr lvl="1"/>
             <a:r>
-              <a:rPr lang="en-US" smtClean="0"/>
+              <a:rPr lang="en-US"/>
               <a:t>Second level</a:t>
             </a:r>
           </a:p>
           <a:p>
             <a:pPr lvl="2"/>
             <a:r>
-              <a:rPr lang="en-US" smtClean="0"/>
+              <a:rPr lang="en-US"/>
               <a:t>Third level</a:t>
             </a:r>
           </a:p>
           <a:p>
             <a:pPr lvl="3"/>
             <a:r>
-              <a:rPr lang="en-US" smtClean="0"/>
+              <a:rPr lang="en-US"/>
               <a:t>Fourth level</a:t>
             </a:r>
           </a:p>
           <a:p>
             <a:pPr lvl="4"/>
             <a:r>
-              <a:rPr lang="en-US" smtClean="0"/>
+              <a:rPr lang="en-US"/>
               <a:t>Fifth level</a:t>
             </a:r>
-            <a:endParaRPr lang="en-US"/>
           </a:p>
         </p:txBody>
       </p:sp>
@@ -1228,38 +1217,37 @@
           <a:p>
             <a:pPr lvl="0"/>
             <a:r>
-              <a:rPr lang="en-US" smtClean="0"/>
+              <a:rPr lang="en-US"/>
               <a:t>Edit Master text styles</a:t>
             </a:r>
           </a:p>
           <a:p>
             <a:pPr lvl="1"/>
             <a:r>
-              <a:rPr lang="en-US" smtClean="0"/>
+              <a:rPr lang="en-US"/>
               <a:t>Second level</a:t>
             </a:r>
           </a:p>
           <a:p>
             <a:pPr lvl="2"/>
             <a:r>
-              <a:rPr lang="en-US" smtClean="0"/>
+              <a:rPr lang="en-US"/>
               <a:t>Third level</a:t>
             </a:r>
           </a:p>
           <a:p>
             <a:pPr lvl="3"/>
             <a:r>
-              <a:rPr lang="en-US" smtClean="0"/>
+              <a:rPr lang="en-US"/>
               <a:t>Fourth level</a:t>
             </a:r>
           </a:p>
           <a:p>
             <a:pPr lvl="4"/>
             <a:r>
-              <a:rPr lang="en-US" smtClean="0"/>
+              <a:rPr lang="en-US"/>
               <a:t>Fifth level</a:t>
             </a:r>
-            <a:endParaRPr lang="en-US"/>
           </a:p>
         </p:txBody>
       </p:sp>
@@ -1281,7 +1269,7 @@
             <a:fld id="{B61BEF0D-F0BB-DE4B-95CE-6DB70DBA9567}" type="datetimeFigureOut">
               <a:rPr lang="en-US" smtClean="0"/>
               <a:pPr/>
-              <a:t>5/15/2019</a:t>
+              <a:t>5/28/2019</a:t>
             </a:fld>
             <a:endParaRPr lang="en-US" dirty="0"/>
           </a:p>
@@ -1381,10 +1369,9 @@
           <a:lstStyle/>
           <a:p>
             <a:r>
-              <a:rPr lang="en-US" smtClean="0"/>
+              <a:rPr lang="en-US"/>
               <a:t>Click to edit Master title style</a:t>
             </a:r>
-            <a:endParaRPr lang="en-US"/>
           </a:p>
         </p:txBody>
       </p:sp>
@@ -1447,7 +1434,7 @@
           <a:p>
             <a:pPr lvl="0"/>
             <a:r>
-              <a:rPr lang="en-US" smtClean="0"/>
+              <a:rPr lang="en-US"/>
               <a:t>Edit Master text styles</a:t>
             </a:r>
           </a:p>
@@ -1475,38 +1462,37 @@
           <a:p>
             <a:pPr lvl="0"/>
             <a:r>
-              <a:rPr lang="en-US" smtClean="0"/>
+              <a:rPr lang="en-US"/>
               <a:t>Edit Master text styles</a:t>
             </a:r>
           </a:p>
           <a:p>
             <a:pPr lvl="1"/>
             <a:r>
-              <a:rPr lang="en-US" smtClean="0"/>
+              <a:rPr lang="en-US"/>
               <a:t>Second level</a:t>
             </a:r>
           </a:p>
           <a:p>
             <a:pPr lvl="2"/>
             <a:r>
-              <a:rPr lang="en-US" smtClean="0"/>
+              <a:rPr lang="en-US"/>
               <a:t>Third level</a:t>
             </a:r>
           </a:p>
           <a:p>
             <a:pPr lvl="3"/>
             <a:r>
-              <a:rPr lang="en-US" smtClean="0"/>
+              <a:rPr lang="en-US"/>
               <a:t>Fourth level</a:t>
             </a:r>
           </a:p>
           <a:p>
             <a:pPr lvl="4"/>
             <a:r>
-              <a:rPr lang="en-US" smtClean="0"/>
+              <a:rPr lang="en-US"/>
               <a:t>Fifth level</a:t>
             </a:r>
-            <a:endParaRPr lang="en-US"/>
           </a:p>
         </p:txBody>
       </p:sp>
@@ -1569,7 +1555,7 @@
           <a:p>
             <a:pPr lvl="0"/>
             <a:r>
-              <a:rPr lang="en-US" smtClean="0"/>
+              <a:rPr lang="en-US"/>
               <a:t>Edit Master text styles</a:t>
             </a:r>
           </a:p>
@@ -1597,38 +1583,37 @@
           <a:p>
             <a:pPr lvl="0"/>
             <a:r>
-              <a:rPr lang="en-US" smtClean="0"/>
+              <a:rPr lang="en-US"/>
               <a:t>Edit Master text styles</a:t>
             </a:r>
           </a:p>
           <a:p>
             <a:pPr lvl="1"/>
             <a:r>
-              <a:rPr lang="en-US" smtClean="0"/>
+              <a:rPr lang="en-US"/>
               <a:t>Second level</a:t>
             </a:r>
           </a:p>
           <a:p>
             <a:pPr lvl="2"/>
             <a:r>
-              <a:rPr lang="en-US" smtClean="0"/>
+              <a:rPr lang="en-US"/>
               <a:t>Third level</a:t>
             </a:r>
           </a:p>
           <a:p>
             <a:pPr lvl="3"/>
             <a:r>
-              <a:rPr lang="en-US" smtClean="0"/>
+              <a:rPr lang="en-US"/>
               <a:t>Fourth level</a:t>
             </a:r>
           </a:p>
           <a:p>
             <a:pPr lvl="4"/>
             <a:r>
-              <a:rPr lang="en-US" smtClean="0"/>
+              <a:rPr lang="en-US"/>
               <a:t>Fifth level</a:t>
             </a:r>
-            <a:endParaRPr lang="en-US"/>
           </a:p>
         </p:txBody>
       </p:sp>
@@ -1650,7 +1635,7 @@
             <a:fld id="{B61BEF0D-F0BB-DE4B-95CE-6DB70DBA9567}" type="datetimeFigureOut">
               <a:rPr lang="en-US" smtClean="0"/>
               <a:pPr/>
-              <a:t>5/15/2019</a:t>
+              <a:t>5/28/2019</a:t>
             </a:fld>
             <a:endParaRPr lang="en-US" dirty="0"/>
           </a:p>
@@ -1745,10 +1730,9 @@
           <a:lstStyle/>
           <a:p>
             <a:r>
-              <a:rPr lang="en-US" smtClean="0"/>
+              <a:rPr lang="en-US"/>
               <a:t>Click to edit Master title style</a:t>
             </a:r>
-            <a:endParaRPr lang="en-US"/>
           </a:p>
         </p:txBody>
       </p:sp>
@@ -1770,7 +1754,7 @@
             <a:fld id="{B61BEF0D-F0BB-DE4B-95CE-6DB70DBA9567}" type="datetimeFigureOut">
               <a:rPr lang="en-US" smtClean="0"/>
               <a:pPr/>
-              <a:t>5/15/2019</a:t>
+              <a:t>5/28/2019</a:t>
             </a:fld>
             <a:endParaRPr lang="en-US" dirty="0"/>
           </a:p>
@@ -1867,7 +1851,7 @@
             <a:fld id="{B61BEF0D-F0BB-DE4B-95CE-6DB70DBA9567}" type="datetimeFigureOut">
               <a:rPr lang="en-US" smtClean="0"/>
               <a:pPr/>
-              <a:t>5/15/2019</a:t>
+              <a:t>5/28/2019</a:t>
             </a:fld>
             <a:endParaRPr lang="en-US" dirty="0"/>
           </a:p>
@@ -1971,10 +1955,9 @@
           </a:lstStyle>
           <a:p>
             <a:r>
-              <a:rPr lang="en-US" smtClean="0"/>
+              <a:rPr lang="en-US"/>
               <a:t>Click to edit Master title style</a:t>
             </a:r>
-            <a:endParaRPr lang="en-US"/>
           </a:p>
         </p:txBody>
       </p:sp>
@@ -2028,38 +2011,37 @@
           <a:p>
             <a:pPr lvl="0"/>
             <a:r>
-              <a:rPr lang="en-US" smtClean="0"/>
+              <a:rPr lang="en-US"/>
               <a:t>Edit Master text styles</a:t>
             </a:r>
           </a:p>
           <a:p>
             <a:pPr lvl="1"/>
             <a:r>
-              <a:rPr lang="en-US" smtClean="0"/>
+              <a:rPr lang="en-US"/>
               <a:t>Second level</a:t>
             </a:r>
           </a:p>
           <a:p>
             <a:pPr lvl="2"/>
             <a:r>
-              <a:rPr lang="en-US" smtClean="0"/>
+              <a:rPr lang="en-US"/>
               <a:t>Third level</a:t>
             </a:r>
           </a:p>
           <a:p>
             <a:pPr lvl="3"/>
             <a:r>
-              <a:rPr lang="en-US" smtClean="0"/>
+              <a:rPr lang="en-US"/>
               <a:t>Fourth level</a:t>
             </a:r>
           </a:p>
           <a:p>
             <a:pPr lvl="4"/>
             <a:r>
-              <a:rPr lang="en-US" smtClean="0"/>
+              <a:rPr lang="en-US"/>
               <a:t>Fifth level</a:t>
             </a:r>
-            <a:endParaRPr lang="en-US"/>
           </a:p>
         </p:txBody>
       </p:sp>
@@ -2122,7 +2104,7 @@
           <a:p>
             <a:pPr lvl="0"/>
             <a:r>
-              <a:rPr lang="en-US" smtClean="0"/>
+              <a:rPr lang="en-US"/>
               <a:t>Edit Master text styles</a:t>
             </a:r>
           </a:p>
@@ -2146,7 +2128,7 @@
             <a:fld id="{B61BEF0D-F0BB-DE4B-95CE-6DB70DBA9567}" type="datetimeFigureOut">
               <a:rPr lang="en-US" smtClean="0"/>
               <a:pPr/>
-              <a:t>5/15/2019</a:t>
+              <a:t>5/28/2019</a:t>
             </a:fld>
             <a:endParaRPr lang="en-US" dirty="0"/>
           </a:p>
@@ -2250,10 +2232,9 @@
           </a:lstStyle>
           <a:p>
             <a:r>
-              <a:rPr lang="en-US" smtClean="0"/>
+              <a:rPr lang="en-US"/>
               <a:t>Click to edit Master title style</a:t>
             </a:r>
-            <a:endParaRPr lang="en-US"/>
           </a:p>
         </p:txBody>
       </p:sp>
@@ -2377,7 +2358,7 @@
           <a:p>
             <a:pPr lvl="0"/>
             <a:r>
-              <a:rPr lang="en-US" smtClean="0"/>
+              <a:rPr lang="en-US"/>
               <a:t>Edit Master text styles</a:t>
             </a:r>
           </a:p>
@@ -2401,7 +2382,7 @@
             <a:fld id="{B61BEF0D-F0BB-DE4B-95CE-6DB70DBA9567}" type="datetimeFigureOut">
               <a:rPr lang="en-US" smtClean="0"/>
               <a:pPr/>
-              <a:t>5/15/2019</a:t>
+              <a:t>5/28/2019</a:t>
             </a:fld>
             <a:endParaRPr lang="en-US" dirty="0"/>
           </a:p>
@@ -2511,10 +2492,9 @@
           <a:lstStyle/>
           <a:p>
             <a:r>
-              <a:rPr lang="en-US" smtClean="0"/>
+              <a:rPr lang="en-US"/>
               <a:t>Click to edit Master title style</a:t>
             </a:r>
-            <a:endParaRPr lang="en-US"/>
           </a:p>
         </p:txBody>
       </p:sp>
@@ -2545,38 +2525,37 @@
           <a:p>
             <a:pPr lvl="0"/>
             <a:r>
-              <a:rPr lang="en-US" smtClean="0"/>
+              <a:rPr lang="en-US"/>
               <a:t>Edit Master text styles</a:t>
             </a:r>
           </a:p>
           <a:p>
             <a:pPr lvl="1"/>
             <a:r>
-              <a:rPr lang="en-US" smtClean="0"/>
+              <a:rPr lang="en-US"/>
               <a:t>Second level</a:t>
             </a:r>
           </a:p>
           <a:p>
             <a:pPr lvl="2"/>
             <a:r>
-              <a:rPr lang="en-US" smtClean="0"/>
+              <a:rPr lang="en-US"/>
               <a:t>Third level</a:t>
             </a:r>
           </a:p>
           <a:p>
             <a:pPr lvl="3"/>
             <a:r>
-              <a:rPr lang="en-US" smtClean="0"/>
+              <a:rPr lang="en-US"/>
               <a:t>Fourth level</a:t>
             </a:r>
           </a:p>
           <a:p>
             <a:pPr lvl="4"/>
             <a:r>
-              <a:rPr lang="en-US" smtClean="0"/>
+              <a:rPr lang="en-US"/>
               <a:t>Fifth level</a:t>
             </a:r>
-            <a:endParaRPr lang="en-US"/>
           </a:p>
         </p:txBody>
       </p:sp>
@@ -2616,7 +2595,7 @@
             <a:fld id="{B61BEF0D-F0BB-DE4B-95CE-6DB70DBA9567}" type="datetimeFigureOut">
               <a:rPr lang="en-US" smtClean="0"/>
               <a:pPr/>
-              <a:t>5/15/2019</a:t>
+              <a:t>5/28/2019</a:t>
             </a:fld>
             <a:endParaRPr lang="en-US" dirty="0"/>
           </a:p>
@@ -3048,17 +3027,8 @@
               <a:rPr lang="en-US" sz="6600">
                 <a:latin typeface="+mn-lt"/>
               </a:rPr>
-              <a:t>Machine </a:t>
-            </a:r>
-            <a:r>
-              <a:rPr lang="en-US" sz="6600" smtClean="0">
-                <a:latin typeface="+mn-lt"/>
-              </a:rPr>
-              <a:t>Learning</a:t>
-            </a:r>
-            <a:endParaRPr lang="en-US" sz="6600">
-              <a:latin typeface="+mn-lt"/>
-            </a:endParaRPr>
+              <a:t>Machine Learning</a:t>
+            </a:r>
           </a:p>
         </p:txBody>
       </p:sp>
@@ -3083,16 +3053,15 @@
           <a:lstStyle/>
           <a:p>
             <a:r>
-              <a:rPr lang="en-US" smtClean="0"/>
+              <a:rPr lang="en-US"/>
               <a:t>CURRICULUM</a:t>
             </a:r>
           </a:p>
           <a:p>
             <a:r>
-              <a:rPr lang="en-US" smtClean="0"/>
+              <a:rPr lang="en-US"/>
               <a:t>Updated – May 15, 2019</a:t>
             </a:r>
-            <a:endParaRPr lang="en-US"/>
           </a:p>
         </p:txBody>
       </p:sp>
@@ -3149,14 +3118,11 @@
           <a:lstStyle/>
           <a:p>
             <a:r>
-              <a:rPr lang="en-US" smtClean="0">
+              <a:rPr lang="en-US">
                 <a:latin typeface="+mn-lt"/>
               </a:rPr>
               <a:t>Supervised Learning in R: Regression</a:t>
             </a:r>
-            <a:endParaRPr lang="en-US">
-              <a:latin typeface="+mn-lt"/>
-            </a:endParaRPr>
           </a:p>
         </p:txBody>
       </p:sp>
@@ -3187,7 +3153,7 @@
               <a:buAutoNum type="arabicPeriod"/>
             </a:pPr>
             <a:r>
-              <a:rPr lang="en-US" sz="1800" smtClean="0"/>
+              <a:rPr lang="en-US" sz="1800"/>
               <a:t>What is Regression?</a:t>
             </a:r>
           </a:p>
@@ -3197,7 +3163,7 @@
               <a:buAutoNum type="arabicPeriod"/>
             </a:pPr>
             <a:r>
-              <a:rPr lang="en-US" sz="1800" smtClean="0"/>
+              <a:rPr lang="en-US" sz="1800"/>
               <a:t>Training and Evaluating Regression Models</a:t>
             </a:r>
           </a:p>
@@ -3207,7 +3173,7 @@
               <a:buAutoNum type="arabicPeriod"/>
             </a:pPr>
             <a:r>
-              <a:rPr lang="en-US" sz="1800" smtClean="0"/>
+              <a:rPr lang="en-US" sz="1800"/>
               <a:t>Issues to Consider</a:t>
             </a:r>
           </a:p>
@@ -3217,7 +3183,7 @@
               <a:buAutoNum type="arabicPeriod"/>
             </a:pPr>
             <a:r>
-              <a:rPr lang="en-US" sz="1800" smtClean="0"/>
+              <a:rPr lang="en-US" sz="1800"/>
               <a:t>Dealing with Non-Linear Responses</a:t>
             </a:r>
           </a:p>
@@ -3227,7 +3193,7 @@
               <a:buAutoNum type="arabicPeriod"/>
             </a:pPr>
             <a:r>
-              <a:rPr lang="en-US" sz="1800" smtClean="0"/>
+              <a:rPr lang="en-US" sz="1800"/>
               <a:t>Tree-Based Methods</a:t>
             </a:r>
           </a:p>
@@ -3286,14 +3252,11 @@
           <a:lstStyle/>
           <a:p>
             <a:r>
-              <a:rPr lang="en-US" smtClean="0">
+              <a:rPr lang="en-US">
                 <a:latin typeface="+mn-lt"/>
               </a:rPr>
               <a:t>Dimensionality Reduction in R</a:t>
             </a:r>
-            <a:endParaRPr lang="en-US">
-              <a:latin typeface="+mn-lt"/>
-            </a:endParaRPr>
           </a:p>
         </p:txBody>
       </p:sp>
@@ -3324,7 +3287,7 @@
               <a:buAutoNum type="arabicPeriod"/>
             </a:pPr>
             <a:r>
-              <a:rPr lang="en-US" sz="1800" smtClean="0"/>
+              <a:rPr lang="en-US" sz="1800"/>
               <a:t>Principal Component Analysis (PCA)</a:t>
             </a:r>
           </a:p>
@@ -3334,7 +3297,7 @@
               <a:buAutoNum type="arabicPeriod"/>
             </a:pPr>
             <a:r>
-              <a:rPr lang="en-US" sz="1800" smtClean="0"/>
+              <a:rPr lang="en-US" sz="1800"/>
               <a:t>Advanced PCA &amp; Non-Negative Matrix Factorization (NNMF)</a:t>
             </a:r>
           </a:p>
@@ -3344,7 +3307,7 @@
               <a:buAutoNum type="arabicPeriod"/>
             </a:pPr>
             <a:r>
-              <a:rPr lang="en-US" sz="1800" smtClean="0"/>
+              <a:rPr lang="en-US" sz="1800"/>
               <a:t>Exploratory Factor Analysis (EFA)</a:t>
             </a:r>
           </a:p>
@@ -3354,7 +3317,7 @@
               <a:buAutoNum type="arabicPeriod"/>
             </a:pPr>
             <a:r>
-              <a:rPr lang="en-US" sz="1800" smtClean="0"/>
+              <a:rPr lang="en-US" sz="1800"/>
               <a:t>Advanced EFA</a:t>
             </a:r>
           </a:p>
@@ -3413,14 +3376,11 @@
           <a:lstStyle/>
           <a:p>
             <a:r>
-              <a:rPr lang="en-US" smtClean="0">
+              <a:rPr lang="en-US">
                 <a:latin typeface="+mn-lt"/>
               </a:rPr>
               <a:t>Fraud Detection in R</a:t>
             </a:r>
-            <a:endParaRPr lang="en-US">
-              <a:latin typeface="+mn-lt"/>
-            </a:endParaRPr>
           </a:p>
         </p:txBody>
       </p:sp>
@@ -3451,7 +3411,7 @@
               <a:buAutoNum type="arabicPeriod"/>
             </a:pPr>
             <a:r>
-              <a:rPr lang="en-US" sz="1800" smtClean="0"/>
+              <a:rPr lang="en-US" sz="1800"/>
               <a:t>Introduction &amp; Motivation</a:t>
             </a:r>
           </a:p>
@@ -3461,7 +3421,7 @@
               <a:buAutoNum type="arabicPeriod"/>
             </a:pPr>
             <a:r>
-              <a:rPr lang="en-US" sz="1800" smtClean="0"/>
+              <a:rPr lang="en-US" sz="1800"/>
               <a:t>Social Network Analytics</a:t>
             </a:r>
           </a:p>
@@ -3471,7 +3431,7 @@
               <a:buAutoNum type="arabicPeriod"/>
             </a:pPr>
             <a:r>
-              <a:rPr lang="en-US" sz="1800" smtClean="0"/>
+              <a:rPr lang="en-US" sz="1800"/>
               <a:t>Imbalanced Class Distributions</a:t>
             </a:r>
           </a:p>
@@ -3481,7 +3441,7 @@
               <a:buAutoNum type="arabicPeriod"/>
             </a:pPr>
             <a:r>
-              <a:rPr lang="en-US" sz="1800" smtClean="0"/>
+              <a:rPr lang="en-US" sz="1800"/>
               <a:t>Digit Analysis and Robust Statistics</a:t>
             </a:r>
           </a:p>
@@ -3540,14 +3500,11 @@
           <a:lstStyle/>
           <a:p>
             <a:r>
-              <a:rPr lang="en-US" smtClean="0">
+              <a:rPr lang="en-US">
                 <a:latin typeface="+mn-lt"/>
               </a:rPr>
               <a:t>Feature Engineering in R</a:t>
             </a:r>
-            <a:endParaRPr lang="en-US">
-              <a:latin typeface="+mn-lt"/>
-            </a:endParaRPr>
           </a:p>
         </p:txBody>
       </p:sp>
@@ -3578,7 +3535,7 @@
               <a:buAutoNum type="arabicPeriod"/>
             </a:pPr>
             <a:r>
-              <a:rPr lang="en-US" sz="1800" smtClean="0"/>
+              <a:rPr lang="en-US" sz="1800"/>
               <a:t>Creating Features from Categorical Data</a:t>
             </a:r>
           </a:p>
@@ -3588,7 +3545,7 @@
               <a:buAutoNum type="arabicPeriod"/>
             </a:pPr>
             <a:r>
-              <a:rPr lang="en-US" sz="1800" smtClean="0"/>
+              <a:rPr lang="en-US" sz="1800"/>
               <a:t>Creating Feature from Numeric Data</a:t>
             </a:r>
           </a:p>
@@ -3598,7 +3555,7 @@
               <a:buAutoNum type="arabicPeriod"/>
             </a:pPr>
             <a:r>
-              <a:rPr lang="en-US" sz="1800" smtClean="0"/>
+              <a:rPr lang="en-US" sz="1800"/>
               <a:t>Transforming Numerical Features</a:t>
             </a:r>
           </a:p>
@@ -3608,7 +3565,7 @@
               <a:buAutoNum type="arabicPeriod"/>
             </a:pPr>
             <a:r>
-              <a:rPr lang="en-US" sz="1800" smtClean="0"/>
+              <a:rPr lang="en-US" sz="1800"/>
               <a:t>Advanced Methods</a:t>
             </a:r>
           </a:p>
@@ -3667,14 +3624,11 @@
           <a:lstStyle/>
           <a:p>
             <a:r>
-              <a:rPr lang="en-US" smtClean="0">
+              <a:rPr lang="en-US">
                 <a:latin typeface="+mn-lt"/>
               </a:rPr>
               <a:t>Support Vector Machines in R</a:t>
             </a:r>
-            <a:endParaRPr lang="en-US">
-              <a:latin typeface="+mn-lt"/>
-            </a:endParaRPr>
           </a:p>
         </p:txBody>
       </p:sp>
@@ -3705,7 +3659,7 @@
               <a:buAutoNum type="arabicPeriod"/>
             </a:pPr>
             <a:r>
-              <a:rPr lang="en-US" sz="1800" smtClean="0"/>
+              <a:rPr lang="en-US" sz="1800"/>
               <a:t>Introduction</a:t>
             </a:r>
           </a:p>
@@ -3715,7 +3669,7 @@
               <a:buAutoNum type="arabicPeriod"/>
             </a:pPr>
             <a:r>
-              <a:rPr lang="en-US" sz="1800" smtClean="0"/>
+              <a:rPr lang="en-US" sz="1800"/>
               <a:t>Support Vector Classifiers – Linear Kernels</a:t>
             </a:r>
           </a:p>
@@ -3725,7 +3679,7 @@
               <a:buAutoNum type="arabicPeriod"/>
             </a:pPr>
             <a:r>
-              <a:rPr lang="en-US" sz="1800" smtClean="0"/>
+              <a:rPr lang="en-US" sz="1800"/>
               <a:t>Polynomial Kernels</a:t>
             </a:r>
           </a:p>
@@ -3735,7 +3689,7 @@
               <a:buAutoNum type="arabicPeriod"/>
             </a:pPr>
             <a:r>
-              <a:rPr lang="en-US" sz="1800" smtClean="0"/>
+              <a:rPr lang="en-US" sz="1800"/>
               <a:t>Radial Basis Function Kernels</a:t>
             </a:r>
           </a:p>
@@ -3794,14 +3748,11 @@
           <a:lstStyle/>
           <a:p>
             <a:r>
-              <a:rPr lang="en-US" smtClean="0">
+              <a:rPr lang="en-US">
                 <a:latin typeface="+mn-lt"/>
               </a:rPr>
               <a:t>Hyperparameter Tuning in R</a:t>
             </a:r>
-            <a:endParaRPr lang="en-US">
-              <a:latin typeface="+mn-lt"/>
-            </a:endParaRPr>
           </a:p>
         </p:txBody>
       </p:sp>
@@ -3832,7 +3783,7 @@
               <a:buAutoNum type="arabicPeriod"/>
             </a:pPr>
             <a:r>
-              <a:rPr lang="en-US" sz="1800" smtClean="0"/>
+              <a:rPr lang="en-US" sz="1800"/>
               <a:t>Introduction to Hyperparameters</a:t>
             </a:r>
           </a:p>
@@ -3842,7 +3793,7 @@
               <a:buAutoNum type="arabicPeriod"/>
             </a:pPr>
             <a:r>
-              <a:rPr lang="en-US" sz="1800" smtClean="0"/>
+              <a:rPr lang="en-US" sz="1800"/>
               <a:t>Hyperparameter Tuning with caret</a:t>
             </a:r>
           </a:p>
@@ -3852,7 +3803,7 @@
               <a:buAutoNum type="arabicPeriod"/>
             </a:pPr>
             <a:r>
-              <a:rPr lang="en-US" sz="1800" smtClean="0"/>
+              <a:rPr lang="en-US" sz="1800"/>
               <a:t>Hyperparameter Tuning with mlr</a:t>
             </a:r>
           </a:p>
@@ -3862,10 +3813,9 @@
               <a:buAutoNum type="arabicPeriod"/>
             </a:pPr>
             <a:r>
-              <a:rPr lang="en-US" sz="1800" smtClean="0"/>
+              <a:rPr lang="en-US" sz="1800"/>
               <a:t>Hyperparameter Tuning with h2o</a:t>
             </a:r>
-            <a:endParaRPr lang="en-US" sz="1800" smtClean="0"/>
           </a:p>
         </p:txBody>
       </p:sp>
@@ -3922,14 +3872,11 @@
           <a:lstStyle/>
           <a:p>
             <a:r>
-              <a:rPr lang="en-US" smtClean="0">
+              <a:rPr lang="en-US">
                 <a:latin typeface="+mn-lt"/>
               </a:rPr>
               <a:t>Modeling with Data in the Tidyverse</a:t>
             </a:r>
-            <a:endParaRPr lang="en-US">
-              <a:latin typeface="+mn-lt"/>
-            </a:endParaRPr>
           </a:p>
         </p:txBody>
       </p:sp>
@@ -3960,7 +3907,7 @@
               <a:buAutoNum type="arabicPeriod"/>
             </a:pPr>
             <a:r>
-              <a:rPr lang="en-US" sz="1800" smtClean="0"/>
+              <a:rPr lang="en-US" sz="1800"/>
               <a:t>Introduction to Modeling</a:t>
             </a:r>
           </a:p>
@@ -3970,7 +3917,7 @@
               <a:buAutoNum type="arabicPeriod"/>
             </a:pPr>
             <a:r>
-              <a:rPr lang="en-US" sz="1800" smtClean="0"/>
+              <a:rPr lang="en-US" sz="1800"/>
               <a:t>Modeling with Basic Regression</a:t>
             </a:r>
           </a:p>
@@ -3980,7 +3927,7 @@
               <a:buAutoNum type="arabicPeriod"/>
             </a:pPr>
             <a:r>
-              <a:rPr lang="en-US" sz="1800" smtClean="0"/>
+              <a:rPr lang="en-US" sz="1800"/>
               <a:t>Modeling with Multiple Regression</a:t>
             </a:r>
           </a:p>
@@ -3990,10 +3937,9 @@
               <a:buAutoNum type="arabicPeriod"/>
             </a:pPr>
             <a:r>
-              <a:rPr lang="en-US" sz="1800" smtClean="0"/>
+              <a:rPr lang="en-US" sz="1800"/>
               <a:t>Model Assessment and Selection</a:t>
             </a:r>
-            <a:endParaRPr lang="en-US" sz="1800" smtClean="0"/>
           </a:p>
         </p:txBody>
       </p:sp>
@@ -4050,14 +3996,11 @@
           <a:lstStyle/>
           <a:p>
             <a:r>
-              <a:rPr lang="en-US" smtClean="0">
+              <a:rPr lang="en-US">
                 <a:latin typeface="+mn-lt"/>
               </a:rPr>
               <a:t>Machine Learning in the Tidyverse</a:t>
             </a:r>
-            <a:endParaRPr lang="en-US">
-              <a:latin typeface="+mn-lt"/>
-            </a:endParaRPr>
           </a:p>
         </p:txBody>
       </p:sp>
@@ -4088,7 +4031,7 @@
               <a:buAutoNum type="arabicPeriod"/>
             </a:pPr>
             <a:r>
-              <a:rPr lang="en-US" sz="1800" smtClean="0"/>
+              <a:rPr lang="en-US" sz="1800"/>
               <a:t>Foundations of “tidy” Machine Learning</a:t>
             </a:r>
           </a:p>
@@ -4098,7 +4041,7 @@
               <a:buAutoNum type="arabicPeriod"/>
             </a:pPr>
             <a:r>
-              <a:rPr lang="en-US" sz="1800" smtClean="0"/>
+              <a:rPr lang="en-US" sz="1800"/>
               <a:t>Multiple Models with broom</a:t>
             </a:r>
           </a:p>
@@ -4108,7 +4051,7 @@
               <a:buAutoNum type="arabicPeriod"/>
             </a:pPr>
             <a:r>
-              <a:rPr lang="en-US" sz="1800" smtClean="0"/>
+              <a:rPr lang="en-US" sz="1800"/>
               <a:t>Build, Tune &amp; Evaluate Regression Models</a:t>
             </a:r>
           </a:p>
@@ -4118,10 +4061,9 @@
               <a:buAutoNum type="arabicPeriod"/>
             </a:pPr>
             <a:r>
-              <a:rPr lang="en-US" sz="1800" smtClean="0"/>
+              <a:rPr lang="en-US" sz="1800"/>
               <a:t>Build, Tune &amp; Evaluate Classification Models</a:t>
             </a:r>
-            <a:endParaRPr lang="en-US" sz="1800" smtClean="0"/>
           </a:p>
         </p:txBody>
       </p:sp>
@@ -4178,14 +4120,11 @@
           <a:lstStyle/>
           <a:p>
             <a:r>
-              <a:rPr lang="en-US" smtClean="0">
+              <a:rPr lang="en-US">
                 <a:latin typeface="+mn-lt"/>
               </a:rPr>
               <a:t>Advanced Dimensionality Reduction in R</a:t>
             </a:r>
-            <a:endParaRPr lang="en-US">
-              <a:latin typeface="+mn-lt"/>
-            </a:endParaRPr>
           </a:p>
         </p:txBody>
       </p:sp>
@@ -4216,7 +4155,7 @@
               <a:buAutoNum type="arabicPeriod"/>
             </a:pPr>
             <a:r>
-              <a:rPr lang="en-US" sz="1800" smtClean="0"/>
+              <a:rPr lang="en-US" sz="1800"/>
               <a:t>Introduction to Advanced Dimensionality Reduction</a:t>
             </a:r>
           </a:p>
@@ -4226,7 +4165,7 @@
               <a:buAutoNum type="arabicPeriod"/>
             </a:pPr>
             <a:r>
-              <a:rPr lang="en-US" sz="1800" smtClean="0"/>
+              <a:rPr lang="en-US" sz="1800"/>
               <a:t>Introduction to t-SNE</a:t>
             </a:r>
           </a:p>
@@ -4236,7 +4175,7 @@
               <a:buAutoNum type="arabicPeriod"/>
             </a:pPr>
             <a:r>
-              <a:rPr lang="en-US" sz="1800" smtClean="0"/>
+              <a:rPr lang="en-US" sz="1800"/>
               <a:t>Using t-SNE with Predictive Models</a:t>
             </a:r>
           </a:p>
@@ -4246,10 +4185,9 @@
               <a:buAutoNum type="arabicPeriod"/>
             </a:pPr>
             <a:r>
-              <a:rPr lang="en-US" sz="1800" smtClean="0"/>
+              <a:rPr lang="en-US" sz="1800"/>
               <a:t>Generalized Low Rank Models (GLRM)</a:t>
             </a:r>
-            <a:endParaRPr lang="en-US" sz="1800" smtClean="0"/>
           </a:p>
         </p:txBody>
       </p:sp>
@@ -4306,14 +4244,11 @@
           <a:lstStyle/>
           <a:p>
             <a:r>
-              <a:rPr lang="en-US" smtClean="0">
+              <a:rPr lang="en-US">
                 <a:latin typeface="+mn-lt"/>
               </a:rPr>
               <a:t>Supervised Learning in R: Case Studies</a:t>
             </a:r>
-            <a:endParaRPr lang="en-US">
-              <a:latin typeface="+mn-lt"/>
-            </a:endParaRPr>
           </a:p>
         </p:txBody>
       </p:sp>
@@ -4344,7 +4279,7 @@
               <a:buAutoNum type="arabicPeriod"/>
             </a:pPr>
             <a:r>
-              <a:rPr lang="en-US" sz="1800" smtClean="0"/>
+              <a:rPr lang="en-US" sz="1800"/>
               <a:t>Not mtcars AGAIN</a:t>
             </a:r>
           </a:p>
@@ -4354,7 +4289,7 @@
               <a:buAutoNum type="arabicPeriod"/>
             </a:pPr>
             <a:r>
-              <a:rPr lang="en-US" sz="1800" smtClean="0"/>
+              <a:rPr lang="en-US" sz="1800"/>
               <a:t>Stack Overflow Developer Survey</a:t>
             </a:r>
           </a:p>
@@ -4364,7 +4299,7 @@
               <a:buAutoNum type="arabicPeriod"/>
             </a:pPr>
             <a:r>
-              <a:rPr lang="en-US" sz="1800" smtClean="0"/>
+              <a:rPr lang="en-US" sz="1800"/>
               <a:t>Get Out The Vote</a:t>
             </a:r>
           </a:p>
@@ -4374,10 +4309,9 @@
               <a:buAutoNum type="arabicPeriod"/>
             </a:pPr>
             <a:r>
-              <a:rPr lang="en-US" sz="1800" smtClean="0"/>
+              <a:rPr lang="en-US" sz="1800"/>
               <a:t>But What Do the Nuns Think?</a:t>
             </a:r>
-            <a:endParaRPr lang="en-US" sz="1800" smtClean="0"/>
           </a:p>
         </p:txBody>
       </p:sp>
@@ -4434,14 +4368,11 @@
           <a:lstStyle/>
           <a:p>
             <a:r>
-              <a:rPr lang="en-US" smtClean="0">
+              <a:rPr lang="en-US">
                 <a:latin typeface="+mn-lt"/>
               </a:rPr>
               <a:t>Courses</a:t>
             </a:r>
-            <a:endParaRPr lang="en-US">
-              <a:latin typeface="+mn-lt"/>
-            </a:endParaRPr>
           </a:p>
         </p:txBody>
       </p:sp>
@@ -4458,12 +4389,12 @@
         <p:spPr>
           <a:xfrm>
             <a:off x="685800" y="1251883"/>
-            <a:ext cx="5181600" cy="3457576"/>
+            <a:ext cx="7061548" cy="5148917"/>
           </a:xfrm>
         </p:spPr>
         <p:txBody>
           <a:bodyPr>
-            <a:normAutofit/>
+            <a:normAutofit fontScale="85000" lnSpcReduction="20000"/>
           </a:bodyPr>
           <a:lstStyle/>
           <a:p>
@@ -4472,7 +4403,7 @@
               <a:buAutoNum type="arabicPeriod"/>
             </a:pPr>
             <a:r>
-              <a:rPr lang="en-US" sz="1800" smtClean="0"/>
+              <a:rPr lang="en-US" sz="1800" dirty="0"/>
               <a:t>Introduction to Machine Learning</a:t>
             </a:r>
           </a:p>
@@ -4482,7 +4413,47 @@
               <a:buAutoNum type="arabicPeriod"/>
             </a:pPr>
             <a:r>
-              <a:rPr lang="en-US" sz="1800" smtClean="0"/>
+              <a:rPr lang="en-US" sz="1800" dirty="0"/>
+              <a:t>Machine Learning Toolbox</a:t>
+            </a:r>
+          </a:p>
+          <a:p>
+            <a:pPr marL="514350" indent="-514350">
+              <a:buFont typeface="+mj-lt"/>
+              <a:buAutoNum type="arabicPeriod"/>
+            </a:pPr>
+            <a:r>
+              <a:rPr lang="en-US" sz="1800" dirty="0"/>
+              <a:t>Modeling with Data in the Tidyverse</a:t>
+            </a:r>
+          </a:p>
+          <a:p>
+            <a:pPr marL="514350" indent="-514350">
+              <a:buFont typeface="+mj-lt"/>
+              <a:buAutoNum type="arabicPeriod"/>
+            </a:pPr>
+            <a:r>
+              <a:rPr lang="en-US" sz="1800" dirty="0"/>
+              <a:t>Machine Learning in the Tidyverse</a:t>
+            </a:r>
+          </a:p>
+          <a:p>
+            <a:pPr marL="514350" indent="-514350">
+              <a:buFont typeface="+mj-lt"/>
+              <a:buAutoNum type="arabicPeriod"/>
+            </a:pPr>
+            <a:r>
+              <a:rPr lang="en-US" sz="1800" dirty="0"/>
+              <a:t>Supervised Learning in R: Regression</a:t>
+            </a:r>
+          </a:p>
+          <a:p>
+            <a:pPr marL="514350" indent="-514350">
+              <a:buFont typeface="+mj-lt"/>
+              <a:buAutoNum type="arabicPeriod"/>
+            </a:pPr>
+            <a:r>
+              <a:rPr lang="en-US" sz="1800" dirty="0"/>
               <a:t>Supervised Learning in R: Classification</a:t>
             </a:r>
           </a:p>
@@ -4492,7 +4463,97 @@
               <a:buAutoNum type="arabicPeriod"/>
             </a:pPr>
             <a:r>
-              <a:rPr lang="en-US" sz="1800" smtClean="0"/>
+              <a:rPr lang="en-US" sz="1800" dirty="0"/>
+              <a:t>Machine Learning with Tree-Based Models in R</a:t>
+            </a:r>
+          </a:p>
+          <a:p>
+            <a:pPr marL="514350" indent="-514350">
+              <a:buFont typeface="+mj-lt"/>
+              <a:buAutoNum type="arabicPeriod"/>
+            </a:pPr>
+            <a:r>
+              <a:rPr lang="en-US" sz="1800" dirty="0"/>
+              <a:t>Unsupervised Learning in R</a:t>
+            </a:r>
+          </a:p>
+          <a:p>
+            <a:pPr marL="514350" indent="-514350">
+              <a:buFont typeface="+mj-lt"/>
+              <a:buAutoNum type="arabicPeriod"/>
+            </a:pPr>
+            <a:r>
+              <a:rPr lang="en-US" sz="1800" dirty="0"/>
+              <a:t>Cluster Analysis in R</a:t>
+            </a:r>
+          </a:p>
+          <a:p>
+            <a:pPr marL="514350" indent="-514350">
+              <a:buFont typeface="+mj-lt"/>
+              <a:buAutoNum type="arabicPeriod"/>
+            </a:pPr>
+            <a:r>
+              <a:rPr lang="en-US" sz="1800" dirty="0"/>
+              <a:t>Dimensionality Reduction in R</a:t>
+            </a:r>
+          </a:p>
+          <a:p>
+            <a:pPr marL="514350" indent="-514350">
+              <a:buFont typeface="+mj-lt"/>
+              <a:buAutoNum type="arabicPeriod"/>
+            </a:pPr>
+            <a:r>
+              <a:rPr lang="en-US" sz="1800" dirty="0"/>
+              <a:t>Advanced Dimensionality Reduction in R</a:t>
+            </a:r>
+          </a:p>
+          <a:p>
+            <a:pPr marL="514350" indent="-514350">
+              <a:buFont typeface="+mj-lt"/>
+              <a:buAutoNum type="arabicPeriod"/>
+            </a:pPr>
+            <a:r>
+              <a:rPr lang="en-US" sz="1800" dirty="0"/>
+              <a:t>Feature Engineering in R</a:t>
+            </a:r>
+          </a:p>
+          <a:p>
+            <a:pPr marL="514350" indent="-514350">
+              <a:buFont typeface="+mj-lt"/>
+              <a:buAutoNum type="arabicPeriod"/>
+            </a:pPr>
+            <a:r>
+              <a:rPr lang="en-US" sz="1800" dirty="0"/>
+              <a:t>Support Vector Machines in R</a:t>
+            </a:r>
+          </a:p>
+          <a:p>
+            <a:pPr marL="514350" indent="-514350">
+              <a:buFont typeface="+mj-lt"/>
+              <a:buAutoNum type="arabicPeriod"/>
+            </a:pPr>
+            <a:r>
+              <a:rPr lang="en-US" sz="1800" dirty="0"/>
+              <a:t>Hyperparameter Tuning in R</a:t>
+            </a:r>
+          </a:p>
+          <a:p>
+            <a:pPr marL="514350" indent="-514350">
+              <a:buFont typeface="+mj-lt"/>
+              <a:buAutoNum type="arabicPeriod"/>
+            </a:pPr>
+            <a:r>
+              <a:rPr lang="en-US" sz="1800" dirty="0"/>
+              <a:t>Supervised Learning in R: Case Studies</a:t>
+            </a:r>
+          </a:p>
+          <a:p>
+            <a:pPr marL="514350" indent="-514350">
+              <a:buFont typeface="+mj-lt"/>
+              <a:buAutoNum type="arabicPeriod"/>
+            </a:pPr>
+            <a:r>
+              <a:rPr lang="en-US" sz="1800" dirty="0"/>
               <a:t>Topic Modeling in R</a:t>
             </a:r>
           </a:p>
@@ -4502,169 +4563,16 @@
               <a:buAutoNum type="arabicPeriod"/>
             </a:pPr>
             <a:r>
-              <a:rPr lang="en-US" sz="1800" smtClean="0"/>
-              <a:t>Cluster Analysis in R</a:t>
-            </a:r>
-          </a:p>
-          <a:p>
-            <a:pPr marL="514350" indent="-514350">
-              <a:buFont typeface="+mj-lt"/>
-              <a:buAutoNum type="arabicPeriod"/>
-            </a:pPr>
-            <a:r>
-              <a:rPr lang="en-US" sz="1800" smtClean="0"/>
-              <a:t>Machine Learning Toolbox</a:t>
-            </a:r>
-          </a:p>
-          <a:p>
-            <a:pPr marL="514350" indent="-514350">
-              <a:buFont typeface="+mj-lt"/>
-              <a:buAutoNum type="arabicPeriod"/>
-            </a:pPr>
-            <a:r>
-              <a:rPr lang="en-US" sz="1800" smtClean="0"/>
-              <a:t>Unsupervised Learning in R</a:t>
-            </a:r>
-          </a:p>
-          <a:p>
-            <a:pPr marL="514350" indent="-514350">
-              <a:buFont typeface="+mj-lt"/>
-              <a:buAutoNum type="arabicPeriod"/>
-            </a:pPr>
-            <a:r>
-              <a:rPr lang="en-US" sz="1800" smtClean="0"/>
-              <a:t>Machine Learing with Tree-Based Models in R</a:t>
-            </a:r>
-          </a:p>
-          <a:p>
-            <a:pPr marL="514350" indent="-514350">
-              <a:buFont typeface="+mj-lt"/>
-              <a:buAutoNum type="arabicPeriod"/>
-            </a:pPr>
-            <a:r>
-              <a:rPr lang="en-US" sz="1800" smtClean="0"/>
-              <a:t>Supervised Learning in R: Regression</a:t>
-            </a:r>
-          </a:p>
-          <a:p>
-            <a:pPr marL="514350" indent="-514350">
-              <a:buFont typeface="+mj-lt"/>
-              <a:buAutoNum type="arabicPeriod"/>
-            </a:pPr>
-            <a:r>
-              <a:rPr lang="en-US" sz="1800" smtClean="0"/>
-              <a:t>Dimensionality Reduction in R</a:t>
-            </a:r>
-          </a:p>
-          <a:p>
-            <a:pPr marL="514350" indent="-514350">
-              <a:buFont typeface="+mj-lt"/>
-              <a:buAutoNum type="arabicPeriod"/>
-            </a:pPr>
-            <a:endParaRPr lang="en-US" sz="1800"/>
-          </a:p>
-        </p:txBody>
-      </p:sp>
-      <p:sp>
-        <p:nvSpPr>
-          <p:cNvPr id="6" name="Content Placeholder 3"/>
-          <p:cNvSpPr>
-            <a:spLocks noGrp="1"/>
-          </p:cNvSpPr>
-          <p:nvPr>
-            <p:ph sz="half" idx="1"/>
-          </p:nvPr>
-        </p:nvSpPr>
-        <p:spPr>
-          <a:xfrm>
-            <a:off x="6148294" y="1251883"/>
-            <a:ext cx="5181600" cy="3457576"/>
-          </a:xfrm>
-        </p:spPr>
-        <p:txBody>
-          <a:bodyPr>
-            <a:normAutofit/>
-          </a:bodyPr>
-          <a:lstStyle/>
-          <a:p>
-            <a:pPr marL="514350" indent="-514350">
-              <a:buFont typeface="+mj-lt"/>
-              <a:buAutoNum type="arabicPeriod" startAt="10"/>
-            </a:pPr>
-            <a:r>
-              <a:rPr lang="en-US" sz="1800" smtClean="0"/>
+              <a:rPr lang="en-US" sz="1800" dirty="0"/>
               <a:t>Fraud Detection in R</a:t>
             </a:r>
           </a:p>
           <a:p>
             <a:pPr marL="514350" indent="-514350">
               <a:buFont typeface="+mj-lt"/>
-              <a:buAutoNum type="arabicPeriod" startAt="10"/>
-            </a:pPr>
-            <a:r>
-              <a:rPr lang="en-US" sz="1800" smtClean="0"/>
-              <a:t>Feature Engineering in R</a:t>
-            </a:r>
-          </a:p>
-          <a:p>
-            <a:pPr marL="514350" indent="-514350">
-              <a:buFont typeface="+mj-lt"/>
-              <a:buAutoNum type="arabicPeriod" startAt="10"/>
-            </a:pPr>
-            <a:r>
-              <a:rPr lang="en-US" sz="1800" smtClean="0"/>
-              <a:t>Support Vector Machines in R</a:t>
-            </a:r>
-          </a:p>
-          <a:p>
-            <a:pPr marL="514350" indent="-514350">
-              <a:buFont typeface="+mj-lt"/>
-              <a:buAutoNum type="arabicPeriod" startAt="10"/>
-            </a:pPr>
-            <a:r>
-              <a:rPr lang="en-US" sz="1800" smtClean="0"/>
-              <a:t>Hyperparameter Tuning in R</a:t>
-            </a:r>
-          </a:p>
-          <a:p>
-            <a:pPr marL="514350" indent="-514350">
-              <a:buFont typeface="+mj-lt"/>
-              <a:buAutoNum type="arabicPeriod" startAt="10"/>
-            </a:pPr>
-            <a:r>
-              <a:rPr lang="en-US" sz="1800" smtClean="0"/>
-              <a:t>Modeling with Data in the Tidyverse</a:t>
-            </a:r>
-          </a:p>
-          <a:p>
-            <a:pPr marL="514350" indent="-514350">
-              <a:buFont typeface="+mj-lt"/>
-              <a:buAutoNum type="arabicPeriod" startAt="10"/>
-            </a:pPr>
-            <a:r>
-              <a:rPr lang="en-US" sz="1800" smtClean="0"/>
-              <a:t>Machine Learning in the Tidyverse</a:t>
-            </a:r>
-          </a:p>
-          <a:p>
-            <a:pPr marL="514350" indent="-514350">
-              <a:buFont typeface="+mj-lt"/>
-              <a:buAutoNum type="arabicPeriod" startAt="10"/>
-            </a:pPr>
-            <a:r>
-              <a:rPr lang="en-US" sz="1800" smtClean="0"/>
-              <a:t>Advanced Dimensionality Reduction in R</a:t>
-            </a:r>
-          </a:p>
-          <a:p>
-            <a:pPr marL="514350" indent="-514350">
-              <a:buFont typeface="+mj-lt"/>
-              <a:buAutoNum type="arabicPeriod" startAt="10"/>
-            </a:pPr>
-            <a:r>
-              <a:rPr lang="en-US" sz="1800" smtClean="0"/>
-              <a:t>Supervised Learning in R: Case Studies</a:t>
-            </a:r>
+              <a:buAutoNum type="arabicPeriod"/>
+            </a:pPr>
+            <a:endParaRPr lang="en-US" sz="1800" dirty="0"/>
           </a:p>
         </p:txBody>
       </p:sp>
@@ -4721,14 +4629,11 @@
           <a:lstStyle/>
           <a:p>
             <a:r>
-              <a:rPr lang="en-US" smtClean="0">
+              <a:rPr lang="en-US">
                 <a:latin typeface="+mn-lt"/>
               </a:rPr>
               <a:t>Introduction to Machine Learning</a:t>
             </a:r>
-            <a:endParaRPr lang="en-US">
-              <a:latin typeface="+mn-lt"/>
-            </a:endParaRPr>
           </a:p>
         </p:txBody>
       </p:sp>
@@ -4759,7 +4664,7 @@
               <a:buAutoNum type="arabicPeriod"/>
             </a:pPr>
             <a:r>
-              <a:rPr lang="en-US" sz="1800" smtClean="0"/>
+              <a:rPr lang="en-US" sz="1800"/>
               <a:t>What is Machine Learning?</a:t>
             </a:r>
           </a:p>
@@ -4769,7 +4674,7 @@
               <a:buAutoNum type="arabicPeriod"/>
             </a:pPr>
             <a:r>
-              <a:rPr lang="en-US" sz="1800" smtClean="0"/>
+              <a:rPr lang="en-US" sz="1800"/>
               <a:t>Performance Measures</a:t>
             </a:r>
           </a:p>
@@ -4779,7 +4684,7 @@
               <a:buAutoNum type="arabicPeriod"/>
             </a:pPr>
             <a:r>
-              <a:rPr lang="en-US" sz="1800" smtClean="0"/>
+              <a:rPr lang="en-US" sz="1800"/>
               <a:t>Classification</a:t>
             </a:r>
           </a:p>
@@ -4789,7 +4694,7 @@
               <a:buAutoNum type="arabicPeriod"/>
             </a:pPr>
             <a:r>
-              <a:rPr lang="en-US" sz="1800" smtClean="0"/>
+              <a:rPr lang="en-US" sz="1800"/>
               <a:t>Regression</a:t>
             </a:r>
           </a:p>
@@ -4799,7 +4704,7 @@
               <a:buAutoNum type="arabicPeriod"/>
             </a:pPr>
             <a:r>
-              <a:rPr lang="en-US" sz="1800" smtClean="0"/>
+              <a:rPr lang="en-US" sz="1800"/>
               <a:t>Clustering</a:t>
             </a:r>
           </a:p>
@@ -4858,14 +4763,11 @@
           <a:lstStyle/>
           <a:p>
             <a:r>
-              <a:rPr lang="en-US" smtClean="0">
+              <a:rPr lang="en-US">
                 <a:latin typeface="+mn-lt"/>
               </a:rPr>
               <a:t>Supervised Learning in R: Classification</a:t>
             </a:r>
-            <a:endParaRPr lang="en-US">
-              <a:latin typeface="+mn-lt"/>
-            </a:endParaRPr>
           </a:p>
         </p:txBody>
       </p:sp>
@@ -4896,7 +4798,7 @@
               <a:buAutoNum type="arabicPeriod"/>
             </a:pPr>
             <a:r>
-              <a:rPr lang="en-US" sz="1800" smtClean="0"/>
+              <a:rPr lang="en-US" sz="1800"/>
               <a:t>k-Nearest Neighbors (kNN)</a:t>
             </a:r>
           </a:p>
@@ -4906,7 +4808,7 @@
               <a:buAutoNum type="arabicPeriod"/>
             </a:pPr>
             <a:r>
-              <a:rPr lang="en-US" sz="1800" smtClean="0"/>
+              <a:rPr lang="en-US" sz="1800"/>
               <a:t>Naive Bayes</a:t>
             </a:r>
           </a:p>
@@ -4916,7 +4818,7 @@
               <a:buAutoNum type="arabicPeriod"/>
             </a:pPr>
             <a:r>
-              <a:rPr lang="en-US" sz="1800" smtClean="0"/>
+              <a:rPr lang="en-US" sz="1800"/>
               <a:t>Logistic Regression</a:t>
             </a:r>
           </a:p>
@@ -4926,7 +4828,7 @@
               <a:buAutoNum type="arabicPeriod"/>
             </a:pPr>
             <a:r>
-              <a:rPr lang="en-US" sz="1800" smtClean="0"/>
+              <a:rPr lang="en-US" sz="1800"/>
               <a:t>Classification Tree</a:t>
             </a:r>
           </a:p>
@@ -4985,14 +4887,11 @@
           <a:lstStyle/>
           <a:p>
             <a:r>
-              <a:rPr lang="en-US" smtClean="0">
+              <a:rPr lang="en-US">
                 <a:latin typeface="+mn-lt"/>
               </a:rPr>
               <a:t>Topic Modeling in R</a:t>
             </a:r>
-            <a:endParaRPr lang="en-US">
-              <a:latin typeface="+mn-lt"/>
-            </a:endParaRPr>
           </a:p>
         </p:txBody>
       </p:sp>
@@ -5023,7 +4922,7 @@
               <a:buAutoNum type="arabicPeriod"/>
             </a:pPr>
             <a:r>
-              <a:rPr lang="en-US" sz="1800" smtClean="0"/>
+              <a:rPr lang="en-US" sz="1800"/>
               <a:t>Quick Introduction to the Workflow</a:t>
             </a:r>
           </a:p>
@@ -5033,7 +4932,7 @@
               <a:buAutoNum type="arabicPeriod"/>
             </a:pPr>
             <a:r>
-              <a:rPr lang="en-US" sz="1800" smtClean="0"/>
+              <a:rPr lang="en-US" sz="1800"/>
               <a:t>Naive Wordclouds, Stopwords, and Control Arguments</a:t>
             </a:r>
           </a:p>
@@ -5043,7 +4942,7 @@
               <a:buAutoNum type="arabicPeriod"/>
             </a:pPr>
             <a:r>
-              <a:rPr lang="en-US" sz="1800" smtClean="0"/>
+              <a:rPr lang="en-US" sz="1800"/>
               <a:t>Named Entity Recognition as Unsupervised Classification</a:t>
             </a:r>
           </a:p>
@@ -5053,7 +4952,7 @@
               <a:buAutoNum type="arabicPeriod"/>
             </a:pPr>
             <a:r>
-              <a:rPr lang="en-US" sz="1800" smtClean="0"/>
+              <a:rPr lang="en-US" sz="1800"/>
               <a:t>How Many Topics in Enough?</a:t>
             </a:r>
           </a:p>
@@ -5112,14 +5011,11 @@
           <a:lstStyle/>
           <a:p>
             <a:r>
-              <a:rPr lang="en-US" smtClean="0">
+              <a:rPr lang="en-US">
                 <a:latin typeface="+mn-lt"/>
               </a:rPr>
               <a:t>Cluster Analysis in R</a:t>
             </a:r>
-            <a:endParaRPr lang="en-US">
-              <a:latin typeface="+mn-lt"/>
-            </a:endParaRPr>
           </a:p>
         </p:txBody>
       </p:sp>
@@ -5150,7 +5046,7 @@
               <a:buAutoNum type="arabicPeriod"/>
             </a:pPr>
             <a:r>
-              <a:rPr lang="en-US" sz="1800" smtClean="0"/>
+              <a:rPr lang="en-US" sz="1800"/>
               <a:t>Calculating Distance Between Observations</a:t>
             </a:r>
           </a:p>
@@ -5160,7 +5056,7 @@
               <a:buAutoNum type="arabicPeriod"/>
             </a:pPr>
             <a:r>
-              <a:rPr lang="en-US" sz="1800" smtClean="0"/>
+              <a:rPr lang="en-US" sz="1800"/>
               <a:t>Hierarchical Clustering</a:t>
             </a:r>
           </a:p>
@@ -5170,7 +5066,7 @@
               <a:buAutoNum type="arabicPeriod"/>
             </a:pPr>
             <a:r>
-              <a:rPr lang="en-US" sz="1800" smtClean="0"/>
+              <a:rPr lang="en-US" sz="1800"/>
               <a:t>K-Means Clustering</a:t>
             </a:r>
           </a:p>
@@ -5180,7 +5076,7 @@
               <a:buAutoNum type="arabicPeriod"/>
             </a:pPr>
             <a:r>
-              <a:rPr lang="en-US" sz="1800" smtClean="0"/>
+              <a:rPr lang="en-US" sz="1800"/>
               <a:t>Case Study: National Occupational Mean Wage</a:t>
             </a:r>
           </a:p>
@@ -5239,14 +5135,11 @@
           <a:lstStyle/>
           <a:p>
             <a:r>
-              <a:rPr lang="en-US" smtClean="0">
+              <a:rPr lang="en-US">
                 <a:latin typeface="+mn-lt"/>
               </a:rPr>
               <a:t>Machine Learning Toolbox</a:t>
             </a:r>
-            <a:endParaRPr lang="en-US">
-              <a:latin typeface="+mn-lt"/>
-            </a:endParaRPr>
           </a:p>
         </p:txBody>
       </p:sp>
@@ -5277,7 +5170,7 @@
               <a:buAutoNum type="arabicPeriod"/>
             </a:pPr>
             <a:r>
-              <a:rPr lang="en-US" sz="1800" smtClean="0"/>
+              <a:rPr lang="en-US" sz="1800"/>
               <a:t>Regression Models: Fitting Them and Evaluating Their Performance</a:t>
             </a:r>
           </a:p>
@@ -5287,22 +5180,17 @@
               <a:buAutoNum type="arabicPeriod"/>
             </a:pPr>
             <a:r>
-              <a:rPr lang="en-US" sz="1800" smtClean="0"/>
-              <a:t>Classification Models: </a:t>
-            </a:r>
-            <a:r>
-              <a:rPr lang="en-US" sz="1800" smtClean="0"/>
-              <a:t>Fitting Them and Evaluating Their Performance</a:t>
-            </a:r>
-            <a:endParaRPr lang="en-US" sz="1800" smtClean="0"/>
-          </a:p>
-          <a:p>
-            <a:pPr marL="514350" indent="-514350">
-              <a:buFont typeface="+mj-lt"/>
-              <a:buAutoNum type="arabicPeriod"/>
-            </a:pPr>
-            <a:r>
-              <a:rPr lang="en-US" sz="1800" smtClean="0"/>
+              <a:rPr lang="en-US" sz="1800"/>
+              <a:t>Classification Models: Fitting Them and Evaluating Their Performance</a:t>
+            </a:r>
+          </a:p>
+          <a:p>
+            <a:pPr marL="514350" indent="-514350">
+              <a:buFont typeface="+mj-lt"/>
+              <a:buAutoNum type="arabicPeriod"/>
+            </a:pPr>
+            <a:r>
+              <a:rPr lang="en-US" sz="1800"/>
               <a:t>Tuning Model Parameters to Improve Performance</a:t>
             </a:r>
           </a:p>
@@ -5312,7 +5200,7 @@
               <a:buAutoNum type="arabicPeriod"/>
             </a:pPr>
             <a:r>
-              <a:rPr lang="en-US" sz="1800" smtClean="0"/>
+              <a:rPr lang="en-US" sz="1800"/>
               <a:t>Preprocessing Your Data</a:t>
             </a:r>
           </a:p>
@@ -5322,7 +5210,7 @@
               <a:buAutoNum type="arabicPeriod"/>
             </a:pPr>
             <a:r>
-              <a:rPr lang="en-US" sz="1800" smtClean="0"/>
+              <a:rPr lang="en-US" sz="1800"/>
               <a:t>Selecting Models: A Case Study in Churn Prediction</a:t>
             </a:r>
           </a:p>
@@ -5381,14 +5269,11 @@
           <a:lstStyle/>
           <a:p>
             <a:r>
-              <a:rPr lang="en-US" smtClean="0">
+              <a:rPr lang="en-US">
                 <a:latin typeface="+mn-lt"/>
               </a:rPr>
               <a:t>Unsupervised Learning in R</a:t>
             </a:r>
-            <a:endParaRPr lang="en-US">
-              <a:latin typeface="+mn-lt"/>
-            </a:endParaRPr>
           </a:p>
         </p:txBody>
       </p:sp>
@@ -5419,7 +5304,7 @@
               <a:buAutoNum type="arabicPeriod"/>
             </a:pPr>
             <a:r>
-              <a:rPr lang="en-US" sz="1800" smtClean="0"/>
+              <a:rPr lang="en-US" sz="1800"/>
               <a:t>Unsupervised Learning in R</a:t>
             </a:r>
           </a:p>
@@ -5429,7 +5314,7 @@
               <a:buAutoNum type="arabicPeriod"/>
             </a:pPr>
             <a:r>
-              <a:rPr lang="en-US" sz="1800" smtClean="0"/>
+              <a:rPr lang="en-US" sz="1800"/>
               <a:t>Hirearchical Clustering</a:t>
             </a:r>
           </a:p>
@@ -5439,7 +5324,7 @@
               <a:buAutoNum type="arabicPeriod"/>
             </a:pPr>
             <a:r>
-              <a:rPr lang="en-US" sz="1800" smtClean="0"/>
+              <a:rPr lang="en-US" sz="1800"/>
               <a:t>Dimensionality Reduction with PCA</a:t>
             </a:r>
           </a:p>
@@ -5449,7 +5334,7 @@
               <a:buAutoNum type="arabicPeriod"/>
             </a:pPr>
             <a:r>
-              <a:rPr lang="en-US" sz="1800" smtClean="0"/>
+              <a:rPr lang="en-US" sz="1800"/>
               <a:t>Putting It All Together with a Case Study</a:t>
             </a:r>
           </a:p>
@@ -5508,14 +5393,11 @@
           <a:lstStyle/>
           <a:p>
             <a:r>
-              <a:rPr lang="en-US" smtClean="0">
+              <a:rPr lang="en-US">
                 <a:latin typeface="+mn-lt"/>
               </a:rPr>
               <a:t>Machine Learning with Tree-Based Models in R</a:t>
             </a:r>
-            <a:endParaRPr lang="en-US">
-              <a:latin typeface="+mn-lt"/>
-            </a:endParaRPr>
           </a:p>
         </p:txBody>
       </p:sp>
@@ -5546,7 +5428,7 @@
               <a:buAutoNum type="arabicPeriod"/>
             </a:pPr>
             <a:r>
-              <a:rPr lang="en-US" sz="1800" smtClean="0"/>
+              <a:rPr lang="en-US" sz="1800"/>
               <a:t>Classifciation Trees</a:t>
             </a:r>
           </a:p>
@@ -5556,7 +5438,7 @@
               <a:buAutoNum type="arabicPeriod"/>
             </a:pPr>
             <a:r>
-              <a:rPr lang="en-US" sz="1800" smtClean="0"/>
+              <a:rPr lang="en-US" sz="1800"/>
               <a:t>Regression Trees</a:t>
             </a:r>
           </a:p>
@@ -5566,7 +5448,7 @@
               <a:buAutoNum type="arabicPeriod"/>
             </a:pPr>
             <a:r>
-              <a:rPr lang="en-US" sz="1800" smtClean="0"/>
+              <a:rPr lang="en-US" sz="1800"/>
               <a:t>Bagged Trees</a:t>
             </a:r>
           </a:p>
@@ -5576,7 +5458,7 @@
               <a:buAutoNum type="arabicPeriod"/>
             </a:pPr>
             <a:r>
-              <a:rPr lang="en-US" sz="1800" smtClean="0"/>
+              <a:rPr lang="en-US" sz="1800"/>
               <a:t>Random Forests</a:t>
             </a:r>
           </a:p>
@@ -5586,7 +5468,7 @@
               <a:buAutoNum type="arabicPeriod"/>
             </a:pPr>
             <a:r>
-              <a:rPr lang="en-US" sz="1800" smtClean="0"/>
+              <a:rPr lang="en-US" sz="1800"/>
               <a:t>Boosted Trees</a:t>
             </a:r>
           </a:p>

--- a/Track - Machine Learning/Machine Learning Curriculum.pptx
+++ b/Track - Machine Learning/Machine Learning Curriculum.pptx
@@ -7,26 +7,26 @@
   <p:sldIdLst>
     <p:sldId id="256" r:id="rId2"/>
     <p:sldId id="257" r:id="rId3"/>
-    <p:sldId id="258" r:id="rId4"/>
-    <p:sldId id="259" r:id="rId5"/>
-    <p:sldId id="260" r:id="rId6"/>
-    <p:sldId id="261" r:id="rId7"/>
-    <p:sldId id="262" r:id="rId8"/>
-    <p:sldId id="263" r:id="rId9"/>
-    <p:sldId id="264" r:id="rId10"/>
-    <p:sldId id="265" r:id="rId11"/>
+    <p:sldId id="261" r:id="rId4"/>
+    <p:sldId id="263" r:id="rId5"/>
+    <p:sldId id="264" r:id="rId6"/>
+    <p:sldId id="258" r:id="rId7"/>
+    <p:sldId id="271" r:id="rId8"/>
+    <p:sldId id="272" r:id="rId9"/>
+    <p:sldId id="262" r:id="rId10"/>
+    <p:sldId id="269" r:id="rId11"/>
     <p:sldId id="266" r:id="rId12"/>
-    <p:sldId id="267" r:id="rId13"/>
-    <p:sldId id="268" r:id="rId14"/>
-    <p:sldId id="269" r:id="rId15"/>
+    <p:sldId id="265" r:id="rId13"/>
+    <p:sldId id="259" r:id="rId14"/>
+    <p:sldId id="274" r:id="rId15"/>
     <p:sldId id="270" r:id="rId16"/>
-    <p:sldId id="271" r:id="rId17"/>
-    <p:sldId id="272" r:id="rId18"/>
-    <p:sldId id="273" r:id="rId19"/>
-    <p:sldId id="274" r:id="rId20"/>
+    <p:sldId id="273" r:id="rId17"/>
+    <p:sldId id="268" r:id="rId18"/>
+    <p:sldId id="260" r:id="rId19"/>
+    <p:sldId id="267" r:id="rId20"/>
   </p:sldIdLst>
   <p:sldSz cx="12192000" cy="6858000"/>
-  <p:notesSz cx="6858000" cy="9144000"/>
+  <p:notesSz cx="7010400" cy="9296400"/>
   <p:defaultTextStyle>
     <a:defPPr>
       <a:defRPr lang="en-US"/>
@@ -271,7 +271,7 @@
             <a:fld id="{B61BEF0D-F0BB-DE4B-95CE-6DB70DBA9567}" type="datetimeFigureOut">
               <a:rPr lang="en-US" smtClean="0"/>
               <a:pPr/>
-              <a:t>5/28/2019</a:t>
+              <a:t>5/30/2019</a:t>
             </a:fld>
             <a:endParaRPr lang="en-US" dirty="0"/>
           </a:p>
@@ -441,7 +441,7 @@
             <a:fld id="{B61BEF0D-F0BB-DE4B-95CE-6DB70DBA9567}" type="datetimeFigureOut">
               <a:rPr lang="en-US" smtClean="0"/>
               <a:pPr/>
-              <a:t>5/28/2019</a:t>
+              <a:t>5/30/2019</a:t>
             </a:fld>
             <a:endParaRPr lang="en-US" dirty="0"/>
           </a:p>
@@ -621,7 +621,7 @@
             <a:fld id="{B61BEF0D-F0BB-DE4B-95CE-6DB70DBA9567}" type="datetimeFigureOut">
               <a:rPr lang="en-US" smtClean="0"/>
               <a:pPr/>
-              <a:t>5/28/2019</a:t>
+              <a:t>5/30/2019</a:t>
             </a:fld>
             <a:endParaRPr lang="en-US" dirty="0"/>
           </a:p>
@@ -791,7 +791,7 @@
             <a:fld id="{B61BEF0D-F0BB-DE4B-95CE-6DB70DBA9567}" type="datetimeFigureOut">
               <a:rPr lang="en-US" smtClean="0"/>
               <a:pPr/>
-              <a:t>5/28/2019</a:t>
+              <a:t>5/30/2019</a:t>
             </a:fld>
             <a:endParaRPr lang="en-US" dirty="0"/>
           </a:p>
@@ -1038,7 +1038,7 @@
             <a:fld id="{B61BEF0D-F0BB-DE4B-95CE-6DB70DBA9567}" type="datetimeFigureOut">
               <a:rPr lang="en-US" smtClean="0"/>
               <a:pPr/>
-              <a:t>5/28/2019</a:t>
+              <a:t>5/30/2019</a:t>
             </a:fld>
             <a:endParaRPr lang="en-US" dirty="0"/>
           </a:p>
@@ -1269,7 +1269,7 @@
             <a:fld id="{B61BEF0D-F0BB-DE4B-95CE-6DB70DBA9567}" type="datetimeFigureOut">
               <a:rPr lang="en-US" smtClean="0"/>
               <a:pPr/>
-              <a:t>5/28/2019</a:t>
+              <a:t>5/30/2019</a:t>
             </a:fld>
             <a:endParaRPr lang="en-US" dirty="0"/>
           </a:p>
@@ -1635,7 +1635,7 @@
             <a:fld id="{B61BEF0D-F0BB-DE4B-95CE-6DB70DBA9567}" type="datetimeFigureOut">
               <a:rPr lang="en-US" smtClean="0"/>
               <a:pPr/>
-              <a:t>5/28/2019</a:t>
+              <a:t>5/30/2019</a:t>
             </a:fld>
             <a:endParaRPr lang="en-US" dirty="0"/>
           </a:p>
@@ -1754,7 +1754,7 @@
             <a:fld id="{B61BEF0D-F0BB-DE4B-95CE-6DB70DBA9567}" type="datetimeFigureOut">
               <a:rPr lang="en-US" smtClean="0"/>
               <a:pPr/>
-              <a:t>5/28/2019</a:t>
+              <a:t>5/30/2019</a:t>
             </a:fld>
             <a:endParaRPr lang="en-US" dirty="0"/>
           </a:p>
@@ -1851,7 +1851,7 @@
             <a:fld id="{B61BEF0D-F0BB-DE4B-95CE-6DB70DBA9567}" type="datetimeFigureOut">
               <a:rPr lang="en-US" smtClean="0"/>
               <a:pPr/>
-              <a:t>5/28/2019</a:t>
+              <a:t>5/30/2019</a:t>
             </a:fld>
             <a:endParaRPr lang="en-US" dirty="0"/>
           </a:p>
@@ -2128,7 +2128,7 @@
             <a:fld id="{B61BEF0D-F0BB-DE4B-95CE-6DB70DBA9567}" type="datetimeFigureOut">
               <a:rPr lang="en-US" smtClean="0"/>
               <a:pPr/>
-              <a:t>5/28/2019</a:t>
+              <a:t>5/30/2019</a:t>
             </a:fld>
             <a:endParaRPr lang="en-US" dirty="0"/>
           </a:p>
@@ -2382,7 +2382,7 @@
             <a:fld id="{B61BEF0D-F0BB-DE4B-95CE-6DB70DBA9567}" type="datetimeFigureOut">
               <a:rPr lang="en-US" smtClean="0"/>
               <a:pPr/>
-              <a:t>5/28/2019</a:t>
+              <a:t>5/30/2019</a:t>
             </a:fld>
             <a:endParaRPr lang="en-US" dirty="0"/>
           </a:p>
@@ -2595,7 +2595,7 @@
             <a:fld id="{B61BEF0D-F0BB-DE4B-95CE-6DB70DBA9567}" type="datetimeFigureOut">
               <a:rPr lang="en-US" smtClean="0"/>
               <a:pPr/>
-              <a:t>5/28/2019</a:t>
+              <a:t>5/30/2019</a:t>
             </a:fld>
             <a:endParaRPr lang="en-US" dirty="0"/>
           </a:p>
@@ -3121,7 +3121,7 @@
               <a:rPr lang="en-US">
                 <a:latin typeface="+mn-lt"/>
               </a:rPr>
-              <a:t>Supervised Learning in R: Regression</a:t>
+              <a:t>Support Vector Machines in R</a:t>
             </a:r>
           </a:p>
         </p:txBody>
@@ -3154,47 +3154,37 @@
             </a:pPr>
             <a:r>
               <a:rPr lang="en-US" sz="1800"/>
-              <a:t>What is Regression?</a:t>
-            </a:r>
-          </a:p>
-          <a:p>
-            <a:pPr marL="514350" indent="-514350">
-              <a:buFont typeface="+mj-lt"/>
-              <a:buAutoNum type="arabicPeriod"/>
-            </a:pPr>
-            <a:r>
-              <a:rPr lang="en-US" sz="1800"/>
-              <a:t>Training and Evaluating Regression Models</a:t>
-            </a:r>
-          </a:p>
-          <a:p>
-            <a:pPr marL="514350" indent="-514350">
-              <a:buFont typeface="+mj-lt"/>
-              <a:buAutoNum type="arabicPeriod"/>
-            </a:pPr>
-            <a:r>
-              <a:rPr lang="en-US" sz="1800"/>
-              <a:t>Issues to Consider</a:t>
-            </a:r>
-          </a:p>
-          <a:p>
-            <a:pPr marL="514350" indent="-514350">
-              <a:buFont typeface="+mj-lt"/>
-              <a:buAutoNum type="arabicPeriod"/>
-            </a:pPr>
-            <a:r>
-              <a:rPr lang="en-US" sz="1800"/>
-              <a:t>Dealing with Non-Linear Responses</a:t>
-            </a:r>
-          </a:p>
-          <a:p>
-            <a:pPr marL="514350" indent="-514350">
-              <a:buFont typeface="+mj-lt"/>
-              <a:buAutoNum type="arabicPeriod"/>
-            </a:pPr>
-            <a:r>
-              <a:rPr lang="en-US" sz="1800"/>
-              <a:t>Tree-Based Methods</a:t>
+              <a:t>Introduction</a:t>
+            </a:r>
+          </a:p>
+          <a:p>
+            <a:pPr marL="514350" indent="-514350">
+              <a:buFont typeface="+mj-lt"/>
+              <a:buAutoNum type="arabicPeriod"/>
+            </a:pPr>
+            <a:r>
+              <a:rPr lang="en-US" sz="1800"/>
+              <a:t>Support Vector Classifiers – Linear Kernels</a:t>
+            </a:r>
+          </a:p>
+          <a:p>
+            <a:pPr marL="514350" indent="-514350">
+              <a:buFont typeface="+mj-lt"/>
+              <a:buAutoNum type="arabicPeriod"/>
+            </a:pPr>
+            <a:r>
+              <a:rPr lang="en-US" sz="1800"/>
+              <a:t>Polynomial Kernels</a:t>
+            </a:r>
+          </a:p>
+          <a:p>
+            <a:pPr marL="514350" indent="-514350">
+              <a:buFont typeface="+mj-lt"/>
+              <a:buAutoNum type="arabicPeriod"/>
+            </a:pPr>
+            <a:r>
+              <a:rPr lang="en-US" sz="1800"/>
+              <a:t>Radial Basis Function Kernels</a:t>
             </a:r>
           </a:p>
         </p:txBody>
@@ -3202,7 +3192,7 @@
     </p:spTree>
     <p:extLst>
       <p:ext uri="{BB962C8B-B14F-4D97-AF65-F5344CB8AC3E}">
-        <p14:creationId xmlns:p14="http://schemas.microsoft.com/office/powerpoint/2010/main" val="1674265109"/>
+        <p14:creationId xmlns:p14="http://schemas.microsoft.com/office/powerpoint/2010/main" val="3535868711"/>
       </p:ext>
     </p:extLst>
   </p:cSld>
@@ -3379,7 +3369,7 @@
               <a:rPr lang="en-US">
                 <a:latin typeface="+mn-lt"/>
               </a:rPr>
-              <a:t>Fraud Detection in R</a:t>
+              <a:t>Supervised Learning in R: Regression</a:t>
             </a:r>
           </a:p>
         </p:txBody>
@@ -3412,37 +3402,47 @@
             </a:pPr>
             <a:r>
               <a:rPr lang="en-US" sz="1800"/>
-              <a:t>Introduction &amp; Motivation</a:t>
-            </a:r>
-          </a:p>
-          <a:p>
-            <a:pPr marL="514350" indent="-514350">
-              <a:buFont typeface="+mj-lt"/>
-              <a:buAutoNum type="arabicPeriod"/>
-            </a:pPr>
-            <a:r>
-              <a:rPr lang="en-US" sz="1800"/>
-              <a:t>Social Network Analytics</a:t>
-            </a:r>
-          </a:p>
-          <a:p>
-            <a:pPr marL="514350" indent="-514350">
-              <a:buFont typeface="+mj-lt"/>
-              <a:buAutoNum type="arabicPeriod"/>
-            </a:pPr>
-            <a:r>
-              <a:rPr lang="en-US" sz="1800"/>
-              <a:t>Imbalanced Class Distributions</a:t>
-            </a:r>
-          </a:p>
-          <a:p>
-            <a:pPr marL="514350" indent="-514350">
-              <a:buFont typeface="+mj-lt"/>
-              <a:buAutoNum type="arabicPeriod"/>
-            </a:pPr>
-            <a:r>
-              <a:rPr lang="en-US" sz="1800"/>
-              <a:t>Digit Analysis and Robust Statistics</a:t>
+              <a:t>What is Regression?</a:t>
+            </a:r>
+          </a:p>
+          <a:p>
+            <a:pPr marL="514350" indent="-514350">
+              <a:buFont typeface="+mj-lt"/>
+              <a:buAutoNum type="arabicPeriod"/>
+            </a:pPr>
+            <a:r>
+              <a:rPr lang="en-US" sz="1800"/>
+              <a:t>Training and Evaluating Regression Models</a:t>
+            </a:r>
+          </a:p>
+          <a:p>
+            <a:pPr marL="514350" indent="-514350">
+              <a:buFont typeface="+mj-lt"/>
+              <a:buAutoNum type="arabicPeriod"/>
+            </a:pPr>
+            <a:r>
+              <a:rPr lang="en-US" sz="1800"/>
+              <a:t>Issues to Consider</a:t>
+            </a:r>
+          </a:p>
+          <a:p>
+            <a:pPr marL="514350" indent="-514350">
+              <a:buFont typeface="+mj-lt"/>
+              <a:buAutoNum type="arabicPeriod"/>
+            </a:pPr>
+            <a:r>
+              <a:rPr lang="en-US" sz="1800"/>
+              <a:t>Dealing with Non-Linear Responses</a:t>
+            </a:r>
+          </a:p>
+          <a:p>
+            <a:pPr marL="514350" indent="-514350">
+              <a:buFont typeface="+mj-lt"/>
+              <a:buAutoNum type="arabicPeriod"/>
+            </a:pPr>
+            <a:r>
+              <a:rPr lang="en-US" sz="1800"/>
+              <a:t>Tree-Based Methods</a:t>
             </a:r>
           </a:p>
         </p:txBody>
@@ -3450,7 +3450,7 @@
     </p:spTree>
     <p:extLst>
       <p:ext uri="{BB962C8B-B14F-4D97-AF65-F5344CB8AC3E}">
-        <p14:creationId xmlns:p14="http://schemas.microsoft.com/office/powerpoint/2010/main" val="237197714"/>
+        <p14:creationId xmlns:p14="http://schemas.microsoft.com/office/powerpoint/2010/main" val="1674265109"/>
       </p:ext>
     </p:extLst>
   </p:cSld>
@@ -3503,7 +3503,7 @@
               <a:rPr lang="en-US">
                 <a:latin typeface="+mn-lt"/>
               </a:rPr>
-              <a:t>Feature Engineering in R</a:t>
+              <a:t>Supervised Learning in R: Classification</a:t>
             </a:r>
           </a:p>
         </p:txBody>
@@ -3520,8 +3520,8 @@
         </p:nvSpPr>
         <p:spPr>
           <a:xfrm>
-            <a:off x="685799" y="1251883"/>
-            <a:ext cx="7603566" cy="1885764"/>
+            <a:off x="685800" y="1251883"/>
+            <a:ext cx="5181600" cy="1885764"/>
           </a:xfrm>
         </p:spPr>
         <p:txBody>
@@ -3536,37 +3536,37 @@
             </a:pPr>
             <a:r>
               <a:rPr lang="en-US" sz="1800"/>
-              <a:t>Creating Features from Categorical Data</a:t>
-            </a:r>
-          </a:p>
-          <a:p>
-            <a:pPr marL="514350" indent="-514350">
-              <a:buFont typeface="+mj-lt"/>
-              <a:buAutoNum type="arabicPeriod"/>
-            </a:pPr>
-            <a:r>
-              <a:rPr lang="en-US" sz="1800"/>
-              <a:t>Creating Feature from Numeric Data</a:t>
-            </a:r>
-          </a:p>
-          <a:p>
-            <a:pPr marL="514350" indent="-514350">
-              <a:buFont typeface="+mj-lt"/>
-              <a:buAutoNum type="arabicPeriod"/>
-            </a:pPr>
-            <a:r>
-              <a:rPr lang="en-US" sz="1800"/>
-              <a:t>Transforming Numerical Features</a:t>
-            </a:r>
-          </a:p>
-          <a:p>
-            <a:pPr marL="514350" indent="-514350">
-              <a:buFont typeface="+mj-lt"/>
-              <a:buAutoNum type="arabicPeriod"/>
-            </a:pPr>
-            <a:r>
-              <a:rPr lang="en-US" sz="1800"/>
-              <a:t>Advanced Methods</a:t>
+              <a:t>k-Nearest Neighbors (kNN)</a:t>
+            </a:r>
+          </a:p>
+          <a:p>
+            <a:pPr marL="514350" indent="-514350">
+              <a:buFont typeface="+mj-lt"/>
+              <a:buAutoNum type="arabicPeriod"/>
+            </a:pPr>
+            <a:r>
+              <a:rPr lang="en-US" sz="1800"/>
+              <a:t>Naive Bayes</a:t>
+            </a:r>
+          </a:p>
+          <a:p>
+            <a:pPr marL="514350" indent="-514350">
+              <a:buFont typeface="+mj-lt"/>
+              <a:buAutoNum type="arabicPeriod"/>
+            </a:pPr>
+            <a:r>
+              <a:rPr lang="en-US" sz="1800"/>
+              <a:t>Logistic Regression</a:t>
+            </a:r>
+          </a:p>
+          <a:p>
+            <a:pPr marL="514350" indent="-514350">
+              <a:buFont typeface="+mj-lt"/>
+              <a:buAutoNum type="arabicPeriod"/>
+            </a:pPr>
+            <a:r>
+              <a:rPr lang="en-US" sz="1800"/>
+              <a:t>Classification Tree</a:t>
             </a:r>
           </a:p>
         </p:txBody>
@@ -3574,7 +3574,7 @@
     </p:spTree>
     <p:extLst>
       <p:ext uri="{BB962C8B-B14F-4D97-AF65-F5344CB8AC3E}">
-        <p14:creationId xmlns:p14="http://schemas.microsoft.com/office/powerpoint/2010/main" val="3909758834"/>
+        <p14:creationId xmlns:p14="http://schemas.microsoft.com/office/powerpoint/2010/main" val="2522503165"/>
       </p:ext>
     </p:extLst>
   </p:cSld>
@@ -3627,7 +3627,7 @@
               <a:rPr lang="en-US">
                 <a:latin typeface="+mn-lt"/>
               </a:rPr>
-              <a:t>Support Vector Machines in R</a:t>
+              <a:t>Supervised Learning in R: Case Studies</a:t>
             </a:r>
           </a:p>
         </p:txBody>
@@ -3660,37 +3660,37 @@
             </a:pPr>
             <a:r>
               <a:rPr lang="en-US" sz="1800"/>
-              <a:t>Introduction</a:t>
-            </a:r>
-          </a:p>
-          <a:p>
-            <a:pPr marL="514350" indent="-514350">
-              <a:buFont typeface="+mj-lt"/>
-              <a:buAutoNum type="arabicPeriod"/>
-            </a:pPr>
-            <a:r>
-              <a:rPr lang="en-US" sz="1800"/>
-              <a:t>Support Vector Classifiers – Linear Kernels</a:t>
-            </a:r>
-          </a:p>
-          <a:p>
-            <a:pPr marL="514350" indent="-514350">
-              <a:buFont typeface="+mj-lt"/>
-              <a:buAutoNum type="arabicPeriod"/>
-            </a:pPr>
-            <a:r>
-              <a:rPr lang="en-US" sz="1800"/>
-              <a:t>Polynomial Kernels</a:t>
-            </a:r>
-          </a:p>
-          <a:p>
-            <a:pPr marL="514350" indent="-514350">
-              <a:buFont typeface="+mj-lt"/>
-              <a:buAutoNum type="arabicPeriod"/>
-            </a:pPr>
-            <a:r>
-              <a:rPr lang="en-US" sz="1800"/>
-              <a:t>Radial Basis Function Kernels</a:t>
+              <a:t>Not mtcars AGAIN</a:t>
+            </a:r>
+          </a:p>
+          <a:p>
+            <a:pPr marL="514350" indent="-514350">
+              <a:buFont typeface="+mj-lt"/>
+              <a:buAutoNum type="arabicPeriod"/>
+            </a:pPr>
+            <a:r>
+              <a:rPr lang="en-US" sz="1800"/>
+              <a:t>Stack Overflow Developer Survey</a:t>
+            </a:r>
+          </a:p>
+          <a:p>
+            <a:pPr marL="514350" indent="-514350">
+              <a:buFont typeface="+mj-lt"/>
+              <a:buAutoNum type="arabicPeriod"/>
+            </a:pPr>
+            <a:r>
+              <a:rPr lang="en-US" sz="1800"/>
+              <a:t>Get Out The Vote</a:t>
+            </a:r>
+          </a:p>
+          <a:p>
+            <a:pPr marL="514350" indent="-514350">
+              <a:buFont typeface="+mj-lt"/>
+              <a:buAutoNum type="arabicPeriod"/>
+            </a:pPr>
+            <a:r>
+              <a:rPr lang="en-US" sz="1800"/>
+              <a:t>But What Do the Nuns Think?</a:t>
             </a:r>
           </a:p>
         </p:txBody>
@@ -3698,7 +3698,7 @@
     </p:spTree>
     <p:extLst>
       <p:ext uri="{BB962C8B-B14F-4D97-AF65-F5344CB8AC3E}">
-        <p14:creationId xmlns:p14="http://schemas.microsoft.com/office/powerpoint/2010/main" val="3535868711"/>
+        <p14:creationId xmlns:p14="http://schemas.microsoft.com/office/powerpoint/2010/main" val="3021115296"/>
       </p:ext>
     </p:extLst>
   </p:cSld>
@@ -3875,7 +3875,7 @@
               <a:rPr lang="en-US">
                 <a:latin typeface="+mn-lt"/>
               </a:rPr>
-              <a:t>Modeling with Data in the Tidyverse</a:t>
+              <a:t>Advanced Dimensionality Reduction in R</a:t>
             </a:r>
           </a:p>
         </p:txBody>
@@ -3908,37 +3908,37 @@
             </a:pPr>
             <a:r>
               <a:rPr lang="en-US" sz="1800"/>
-              <a:t>Introduction to Modeling</a:t>
-            </a:r>
-          </a:p>
-          <a:p>
-            <a:pPr marL="514350" indent="-514350">
-              <a:buFont typeface="+mj-lt"/>
-              <a:buAutoNum type="arabicPeriod"/>
-            </a:pPr>
-            <a:r>
-              <a:rPr lang="en-US" sz="1800"/>
-              <a:t>Modeling with Basic Regression</a:t>
-            </a:r>
-          </a:p>
-          <a:p>
-            <a:pPr marL="514350" indent="-514350">
-              <a:buFont typeface="+mj-lt"/>
-              <a:buAutoNum type="arabicPeriod"/>
-            </a:pPr>
-            <a:r>
-              <a:rPr lang="en-US" sz="1800"/>
-              <a:t>Modeling with Multiple Regression</a:t>
-            </a:r>
-          </a:p>
-          <a:p>
-            <a:pPr marL="514350" indent="-514350">
-              <a:buFont typeface="+mj-lt"/>
-              <a:buAutoNum type="arabicPeriod"/>
-            </a:pPr>
-            <a:r>
-              <a:rPr lang="en-US" sz="1800"/>
-              <a:t>Model Assessment and Selection</a:t>
+              <a:t>Introduction to Advanced Dimensionality Reduction</a:t>
+            </a:r>
+          </a:p>
+          <a:p>
+            <a:pPr marL="514350" indent="-514350">
+              <a:buFont typeface="+mj-lt"/>
+              <a:buAutoNum type="arabicPeriod"/>
+            </a:pPr>
+            <a:r>
+              <a:rPr lang="en-US" sz="1800"/>
+              <a:t>Introduction to t-SNE</a:t>
+            </a:r>
+          </a:p>
+          <a:p>
+            <a:pPr marL="514350" indent="-514350">
+              <a:buFont typeface="+mj-lt"/>
+              <a:buAutoNum type="arabicPeriod"/>
+            </a:pPr>
+            <a:r>
+              <a:rPr lang="en-US" sz="1800"/>
+              <a:t>Using t-SNE with Predictive Models</a:t>
+            </a:r>
+          </a:p>
+          <a:p>
+            <a:pPr marL="514350" indent="-514350">
+              <a:buFont typeface="+mj-lt"/>
+              <a:buAutoNum type="arabicPeriod"/>
+            </a:pPr>
+            <a:r>
+              <a:rPr lang="en-US" sz="1800"/>
+              <a:t>Generalized Low Rank Models (GLRM)</a:t>
             </a:r>
           </a:p>
         </p:txBody>
@@ -3946,7 +3946,7 @@
     </p:spTree>
     <p:extLst>
       <p:ext uri="{BB962C8B-B14F-4D97-AF65-F5344CB8AC3E}">
-        <p14:creationId xmlns:p14="http://schemas.microsoft.com/office/powerpoint/2010/main" val="3512555247"/>
+        <p14:creationId xmlns:p14="http://schemas.microsoft.com/office/powerpoint/2010/main" val="339144673"/>
       </p:ext>
     </p:extLst>
   </p:cSld>
@@ -3999,7 +3999,7 @@
               <a:rPr lang="en-US">
                 <a:latin typeface="+mn-lt"/>
               </a:rPr>
-              <a:t>Machine Learning in the Tidyverse</a:t>
+              <a:t>Feature Engineering in R</a:t>
             </a:r>
           </a:p>
         </p:txBody>
@@ -4032,37 +4032,37 @@
             </a:pPr>
             <a:r>
               <a:rPr lang="en-US" sz="1800"/>
-              <a:t>Foundations of “tidy” Machine Learning</a:t>
-            </a:r>
-          </a:p>
-          <a:p>
-            <a:pPr marL="514350" indent="-514350">
-              <a:buFont typeface="+mj-lt"/>
-              <a:buAutoNum type="arabicPeriod"/>
-            </a:pPr>
-            <a:r>
-              <a:rPr lang="en-US" sz="1800"/>
-              <a:t>Multiple Models with broom</a:t>
-            </a:r>
-          </a:p>
-          <a:p>
-            <a:pPr marL="514350" indent="-514350">
-              <a:buFont typeface="+mj-lt"/>
-              <a:buAutoNum type="arabicPeriod"/>
-            </a:pPr>
-            <a:r>
-              <a:rPr lang="en-US" sz="1800"/>
-              <a:t>Build, Tune &amp; Evaluate Regression Models</a:t>
-            </a:r>
-          </a:p>
-          <a:p>
-            <a:pPr marL="514350" indent="-514350">
-              <a:buFont typeface="+mj-lt"/>
-              <a:buAutoNum type="arabicPeriod"/>
-            </a:pPr>
-            <a:r>
-              <a:rPr lang="en-US" sz="1800"/>
-              <a:t>Build, Tune &amp; Evaluate Classification Models</a:t>
+              <a:t>Creating Features from Categorical Data</a:t>
+            </a:r>
+          </a:p>
+          <a:p>
+            <a:pPr marL="514350" indent="-514350">
+              <a:buFont typeface="+mj-lt"/>
+              <a:buAutoNum type="arabicPeriod"/>
+            </a:pPr>
+            <a:r>
+              <a:rPr lang="en-US" sz="1800"/>
+              <a:t>Creating Feature from Numeric Data</a:t>
+            </a:r>
+          </a:p>
+          <a:p>
+            <a:pPr marL="514350" indent="-514350">
+              <a:buFont typeface="+mj-lt"/>
+              <a:buAutoNum type="arabicPeriod"/>
+            </a:pPr>
+            <a:r>
+              <a:rPr lang="en-US" sz="1800"/>
+              <a:t>Transforming Numerical Features</a:t>
+            </a:r>
+          </a:p>
+          <a:p>
+            <a:pPr marL="514350" indent="-514350">
+              <a:buFont typeface="+mj-lt"/>
+              <a:buAutoNum type="arabicPeriod"/>
+            </a:pPr>
+            <a:r>
+              <a:rPr lang="en-US" sz="1800"/>
+              <a:t>Advanced Methods</a:t>
             </a:r>
           </a:p>
         </p:txBody>
@@ -4070,7 +4070,7 @@
     </p:spTree>
     <p:extLst>
       <p:ext uri="{BB962C8B-B14F-4D97-AF65-F5344CB8AC3E}">
-        <p14:creationId xmlns:p14="http://schemas.microsoft.com/office/powerpoint/2010/main" val="3456363821"/>
+        <p14:creationId xmlns:p14="http://schemas.microsoft.com/office/powerpoint/2010/main" val="3909758834"/>
       </p:ext>
     </p:extLst>
   </p:cSld>
@@ -4123,7 +4123,7 @@
               <a:rPr lang="en-US">
                 <a:latin typeface="+mn-lt"/>
               </a:rPr>
-              <a:t>Advanced Dimensionality Reduction in R</a:t>
+              <a:t>Topic Modeling in R</a:t>
             </a:r>
           </a:p>
         </p:txBody>
@@ -4141,7 +4141,7 @@
         <p:spPr>
           <a:xfrm>
             <a:off x="685799" y="1251883"/>
-            <a:ext cx="7603566" cy="1885764"/>
+            <a:ext cx="6312647" cy="1885764"/>
           </a:xfrm>
         </p:spPr>
         <p:txBody>
@@ -4156,37 +4156,37 @@
             </a:pPr>
             <a:r>
               <a:rPr lang="en-US" sz="1800"/>
-              <a:t>Introduction to Advanced Dimensionality Reduction</a:t>
-            </a:r>
-          </a:p>
-          <a:p>
-            <a:pPr marL="514350" indent="-514350">
-              <a:buFont typeface="+mj-lt"/>
-              <a:buAutoNum type="arabicPeriod"/>
-            </a:pPr>
-            <a:r>
-              <a:rPr lang="en-US" sz="1800"/>
-              <a:t>Introduction to t-SNE</a:t>
-            </a:r>
-          </a:p>
-          <a:p>
-            <a:pPr marL="514350" indent="-514350">
-              <a:buFont typeface="+mj-lt"/>
-              <a:buAutoNum type="arabicPeriod"/>
-            </a:pPr>
-            <a:r>
-              <a:rPr lang="en-US" sz="1800"/>
-              <a:t>Using t-SNE with Predictive Models</a:t>
-            </a:r>
-          </a:p>
-          <a:p>
-            <a:pPr marL="514350" indent="-514350">
-              <a:buFont typeface="+mj-lt"/>
-              <a:buAutoNum type="arabicPeriod"/>
-            </a:pPr>
-            <a:r>
-              <a:rPr lang="en-US" sz="1800"/>
-              <a:t>Generalized Low Rank Models (GLRM)</a:t>
+              <a:t>Quick Introduction to the Workflow</a:t>
+            </a:r>
+          </a:p>
+          <a:p>
+            <a:pPr marL="514350" indent="-514350">
+              <a:buFont typeface="+mj-lt"/>
+              <a:buAutoNum type="arabicPeriod"/>
+            </a:pPr>
+            <a:r>
+              <a:rPr lang="en-US" sz="1800"/>
+              <a:t>Naive Wordclouds, Stopwords, and Control Arguments</a:t>
+            </a:r>
+          </a:p>
+          <a:p>
+            <a:pPr marL="514350" indent="-514350">
+              <a:buFont typeface="+mj-lt"/>
+              <a:buAutoNum type="arabicPeriod"/>
+            </a:pPr>
+            <a:r>
+              <a:rPr lang="en-US" sz="1800"/>
+              <a:t>Named Entity Recognition as Unsupervised Classification</a:t>
+            </a:r>
+          </a:p>
+          <a:p>
+            <a:pPr marL="514350" indent="-514350">
+              <a:buFont typeface="+mj-lt"/>
+              <a:buAutoNum type="arabicPeriod"/>
+            </a:pPr>
+            <a:r>
+              <a:rPr lang="en-US" sz="1800"/>
+              <a:t>How Many Topics in Enough?</a:t>
             </a:r>
           </a:p>
         </p:txBody>
@@ -4194,7 +4194,7 @@
     </p:spTree>
     <p:extLst>
       <p:ext uri="{BB962C8B-B14F-4D97-AF65-F5344CB8AC3E}">
-        <p14:creationId xmlns:p14="http://schemas.microsoft.com/office/powerpoint/2010/main" val="339144673"/>
+        <p14:creationId xmlns:p14="http://schemas.microsoft.com/office/powerpoint/2010/main" val="3120564692"/>
       </p:ext>
     </p:extLst>
   </p:cSld>
@@ -4247,7 +4247,7 @@
               <a:rPr lang="en-US">
                 <a:latin typeface="+mn-lt"/>
               </a:rPr>
-              <a:t>Supervised Learning in R: Case Studies</a:t>
+              <a:t>Fraud Detection in R</a:t>
             </a:r>
           </a:p>
         </p:txBody>
@@ -4280,37 +4280,37 @@
             </a:pPr>
             <a:r>
               <a:rPr lang="en-US" sz="1800"/>
-              <a:t>Not mtcars AGAIN</a:t>
-            </a:r>
-          </a:p>
-          <a:p>
-            <a:pPr marL="514350" indent="-514350">
-              <a:buFont typeface="+mj-lt"/>
-              <a:buAutoNum type="arabicPeriod"/>
-            </a:pPr>
-            <a:r>
-              <a:rPr lang="en-US" sz="1800"/>
-              <a:t>Stack Overflow Developer Survey</a:t>
-            </a:r>
-          </a:p>
-          <a:p>
-            <a:pPr marL="514350" indent="-514350">
-              <a:buFont typeface="+mj-lt"/>
-              <a:buAutoNum type="arabicPeriod"/>
-            </a:pPr>
-            <a:r>
-              <a:rPr lang="en-US" sz="1800"/>
-              <a:t>Get Out The Vote</a:t>
-            </a:r>
-          </a:p>
-          <a:p>
-            <a:pPr marL="514350" indent="-514350">
-              <a:buFont typeface="+mj-lt"/>
-              <a:buAutoNum type="arabicPeriod"/>
-            </a:pPr>
-            <a:r>
-              <a:rPr lang="en-US" sz="1800"/>
-              <a:t>But What Do the Nuns Think?</a:t>
+              <a:t>Introduction &amp; Motivation</a:t>
+            </a:r>
+          </a:p>
+          <a:p>
+            <a:pPr marL="514350" indent="-514350">
+              <a:buFont typeface="+mj-lt"/>
+              <a:buAutoNum type="arabicPeriod"/>
+            </a:pPr>
+            <a:r>
+              <a:rPr lang="en-US" sz="1800"/>
+              <a:t>Social Network Analytics</a:t>
+            </a:r>
+          </a:p>
+          <a:p>
+            <a:pPr marL="514350" indent="-514350">
+              <a:buFont typeface="+mj-lt"/>
+              <a:buAutoNum type="arabicPeriod"/>
+            </a:pPr>
+            <a:r>
+              <a:rPr lang="en-US" sz="1800"/>
+              <a:t>Imbalanced Class Distributions</a:t>
+            </a:r>
+          </a:p>
+          <a:p>
+            <a:pPr marL="514350" indent="-514350">
+              <a:buFont typeface="+mj-lt"/>
+              <a:buAutoNum type="arabicPeriod"/>
+            </a:pPr>
+            <a:r>
+              <a:rPr lang="en-US" sz="1800"/>
+              <a:t>Digit Analysis and Robust Statistics</a:t>
             </a:r>
           </a:p>
         </p:txBody>
@@ -4318,7 +4318,7 @@
     </p:spTree>
     <p:extLst>
       <p:ext uri="{BB962C8B-B14F-4D97-AF65-F5344CB8AC3E}">
-        <p14:creationId xmlns:p14="http://schemas.microsoft.com/office/powerpoint/2010/main" val="3021115296"/>
+        <p14:creationId xmlns:p14="http://schemas.microsoft.com/office/powerpoint/2010/main" val="237197714"/>
       </p:ext>
     </p:extLst>
   </p:cSld>
@@ -4404,8 +4404,25 @@
             </a:pPr>
             <a:r>
               <a:rPr lang="en-US" sz="1800" dirty="0"/>
-              <a:t>Introduction to Machine Learning</a:t>
-            </a:r>
+              <a:t>Introduction to </a:t>
+            </a:r>
+            <a:r>
+              <a:rPr lang="en-US" sz="1800"/>
+              <a:t>Machine </a:t>
+            </a:r>
+            <a:r>
+              <a:rPr lang="en-US" sz="1800" smtClean="0"/>
+              <a:t>Learning </a:t>
+            </a:r>
+            <a:r>
+              <a:rPr lang="en-US" sz="1800" b="1" smtClean="0">
+                <a:solidFill>
+                  <a:srgbClr val="FF0000"/>
+                </a:solidFill>
+              </a:rPr>
+              <a:t>(3)</a:t>
+            </a:r>
+            <a:endParaRPr lang="en-US" sz="1800" dirty="0"/>
           </a:p>
           <a:p>
             <a:pPr marL="514350" indent="-514350">
@@ -4414,8 +4431,25 @@
             </a:pPr>
             <a:r>
               <a:rPr lang="en-US" sz="1800" dirty="0"/>
-              <a:t>Machine Learning Toolbox</a:t>
-            </a:r>
+              <a:t>Machine </a:t>
+            </a:r>
+            <a:r>
+              <a:rPr lang="en-US" sz="1800"/>
+              <a:t>Learning </a:t>
+            </a:r>
+            <a:r>
+              <a:rPr lang="en-US" sz="1800" smtClean="0"/>
+              <a:t>Toolbox </a:t>
+            </a:r>
+            <a:r>
+              <a:rPr lang="en-US" sz="1800" b="1" smtClean="0">
+                <a:solidFill>
+                  <a:srgbClr val="FF0000"/>
+                </a:solidFill>
+              </a:rPr>
+              <a:t>(6)</a:t>
+            </a:r>
+            <a:endParaRPr lang="en-US" sz="1800" dirty="0"/>
           </a:p>
           <a:p>
             <a:pPr marL="514350" indent="-514350">
@@ -4424,8 +4458,25 @@
             </a:pPr>
             <a:r>
               <a:rPr lang="en-US" sz="1800" dirty="0"/>
-              <a:t>Modeling with Data in the Tidyverse</a:t>
-            </a:r>
+              <a:t>Modeling with Data in </a:t>
+            </a:r>
+            <a:r>
+              <a:rPr lang="en-US" sz="1800"/>
+              <a:t>the </a:t>
+            </a:r>
+            <a:r>
+              <a:rPr lang="en-US" sz="1800" smtClean="0"/>
+              <a:t>Tidyverse </a:t>
+            </a:r>
+            <a:r>
+              <a:rPr lang="en-US" sz="1800" b="1" smtClean="0">
+                <a:solidFill>
+                  <a:srgbClr val="FF0000"/>
+                </a:solidFill>
+              </a:rPr>
+              <a:t>(4)</a:t>
+            </a:r>
+            <a:endParaRPr lang="en-US" sz="1800" dirty="0"/>
           </a:p>
           <a:p>
             <a:pPr marL="514350" indent="-514350">
@@ -4434,8 +4485,25 @@
             </a:pPr>
             <a:r>
               <a:rPr lang="en-US" sz="1800" dirty="0"/>
-              <a:t>Machine Learning in the Tidyverse</a:t>
-            </a:r>
+              <a:t>Machine Learning in </a:t>
+            </a:r>
+            <a:r>
+              <a:rPr lang="en-US" sz="1800"/>
+              <a:t>the </a:t>
+            </a:r>
+            <a:r>
+              <a:rPr lang="en-US" sz="1800" smtClean="0"/>
+              <a:t>Tidyverse </a:t>
+            </a:r>
+            <a:r>
+              <a:rPr lang="en-US" sz="1800" b="1" smtClean="0">
+                <a:solidFill>
+                  <a:srgbClr val="FF0000"/>
+                </a:solidFill>
+              </a:rPr>
+              <a:t>(5)</a:t>
+            </a:r>
+            <a:endParaRPr lang="en-US" sz="1800" dirty="0"/>
           </a:p>
           <a:p>
             <a:pPr marL="514350" indent="-514350">
@@ -4444,18 +4512,75 @@
             </a:pPr>
             <a:r>
               <a:rPr lang="en-US" sz="1800" dirty="0"/>
-              <a:t>Supervised Learning in R: Regression</a:t>
-            </a:r>
-          </a:p>
-          <a:p>
-            <a:pPr marL="514350" indent="-514350">
-              <a:buFont typeface="+mj-lt"/>
-              <a:buAutoNum type="arabicPeriod"/>
-            </a:pPr>
+              <a:t>Supervised Learning in R</a:t>
+            </a:r>
+            <a:r>
+              <a:rPr lang="en-US" sz="1800"/>
+              <a:t>: </a:t>
+            </a:r>
+            <a:r>
+              <a:rPr lang="en-US" sz="1800"/>
+              <a:t>Regression </a:t>
+            </a:r>
+            <a:r>
+              <a:rPr lang="en-US" sz="1800" b="1" smtClean="0">
+                <a:solidFill>
+                  <a:srgbClr val="FF0000"/>
+                </a:solidFill>
+              </a:rPr>
+              <a:t>(9)</a:t>
+            </a:r>
+            <a:endParaRPr lang="en-US" sz="1800" dirty="0"/>
+          </a:p>
+          <a:p>
+            <a:pPr marL="514350" indent="-514350">
+              <a:buFont typeface="+mj-lt"/>
+              <a:buAutoNum type="arabicPeriod"/>
+            </a:pPr>
+            <a:r>
+              <a:rPr lang="en-US" sz="1800" smtClean="0"/>
+              <a:t>Supervised Learning in R: Classification </a:t>
+            </a:r>
+            <a:r>
+              <a:rPr lang="en-US" sz="1800" b="1" smtClean="0">
+                <a:solidFill>
+                  <a:srgbClr val="FF0000"/>
+                </a:solidFill>
+              </a:rPr>
+              <a:t>(10)</a:t>
+            </a:r>
+            <a:endParaRPr lang="en-US" sz="1800" smtClean="0"/>
+          </a:p>
+          <a:p>
+            <a:pPr marL="514350" indent="-514350">
+              <a:buFont typeface="+mj-lt"/>
+              <a:buAutoNum type="arabicPeriod"/>
+            </a:pPr>
+            <a:r>
+              <a:rPr lang="en-US" sz="1800" smtClean="0"/>
+              <a:t>Machine </a:t>
+            </a:r>
             <a:r>
               <a:rPr lang="en-US" sz="1800" dirty="0"/>
-              <a:t>Supervised Learning in R: Classification</a:t>
-            </a:r>
+              <a:t>Learning with Tree-Based Models </a:t>
+            </a:r>
+            <a:r>
+              <a:rPr lang="en-US" sz="1800"/>
+              <a:t>in </a:t>
+            </a:r>
+            <a:r>
+              <a:rPr lang="en-US" sz="1800" smtClean="0"/>
+              <a:t>R </a:t>
+            </a:r>
+            <a:r>
+              <a:rPr lang="en-US" sz="1800" b="1" smtClean="0">
+                <a:solidFill>
+                  <a:srgbClr val="FF0000"/>
+                </a:solidFill>
+              </a:rPr>
+              <a:t>(2)</a:t>
+            </a:r>
+            <a:endParaRPr lang="en-US" sz="1800" dirty="0"/>
           </a:p>
           <a:p>
             <a:pPr marL="514350" indent="-514350">
@@ -4464,8 +4589,25 @@
             </a:pPr>
             <a:r>
               <a:rPr lang="en-US" sz="1800" dirty="0"/>
-              <a:t>Machine Learning with Tree-Based Models in R</a:t>
-            </a:r>
+              <a:t>Unsupervised Learning </a:t>
+            </a:r>
+            <a:r>
+              <a:rPr lang="en-US" sz="1800"/>
+              <a:t>in </a:t>
+            </a:r>
+            <a:r>
+              <a:rPr lang="en-US" sz="1800" smtClean="0"/>
+              <a:t>R </a:t>
+            </a:r>
+            <a:r>
+              <a:rPr lang="en-US" sz="1800" b="1">
+                <a:solidFill>
+                  <a:srgbClr val="FF0000"/>
+                </a:solidFill>
+              </a:rPr>
+              <a:t>(1)</a:t>
+            </a:r>
+            <a:endParaRPr lang="en-US" sz="1800" dirty="0"/>
           </a:p>
           <a:p>
             <a:pPr marL="514350" indent="-514350">
@@ -4474,8 +4616,29 @@
             </a:pPr>
             <a:r>
               <a:rPr lang="en-US" sz="1800" dirty="0"/>
-              <a:t>Unsupervised Learning in R</a:t>
-            </a:r>
+              <a:t>Cluster Analysis </a:t>
+            </a:r>
+            <a:r>
+              <a:rPr lang="en-US" sz="1800"/>
+              <a:t>in </a:t>
+            </a:r>
+            <a:r>
+              <a:rPr lang="en-US" sz="1800" smtClean="0"/>
+              <a:t>R </a:t>
+            </a:r>
+            <a:r>
+              <a:rPr lang="en-US" sz="1800" b="1" smtClean="0">
+                <a:solidFill>
+                  <a:srgbClr val="FF0000"/>
+                </a:solidFill>
+              </a:rPr>
+              <a:t>(0)</a:t>
+            </a:r>
+            <a:endParaRPr lang="en-US" sz="1800" b="1" dirty="0">
+              <a:solidFill>
+                <a:srgbClr val="FF0000"/>
+              </a:solidFill>
+            </a:endParaRPr>
           </a:p>
           <a:p>
             <a:pPr marL="514350" indent="-514350">
@@ -4484,8 +4647,25 @@
             </a:pPr>
             <a:r>
               <a:rPr lang="en-US" sz="1800" dirty="0"/>
-              <a:t>Cluster Analysis in R</a:t>
-            </a:r>
+              <a:t>Dimensionality Reduction </a:t>
+            </a:r>
+            <a:r>
+              <a:rPr lang="en-US" sz="1800"/>
+              <a:t>in </a:t>
+            </a:r>
+            <a:r>
+              <a:rPr lang="en-US" sz="1800" smtClean="0"/>
+              <a:t>R </a:t>
+            </a:r>
+            <a:r>
+              <a:rPr lang="en-US" sz="1800" b="1" smtClean="0">
+                <a:solidFill>
+                  <a:srgbClr val="FF0000"/>
+                </a:solidFill>
+              </a:rPr>
+              <a:t>(8)</a:t>
+            </a:r>
+            <a:endParaRPr lang="en-US" sz="1800" dirty="0"/>
           </a:p>
           <a:p>
             <a:pPr marL="514350" indent="-514350">
@@ -4494,8 +4674,33 @@
             </a:pPr>
             <a:r>
               <a:rPr lang="en-US" sz="1800" dirty="0"/>
-              <a:t>Dimensionality Reduction in R</a:t>
-            </a:r>
+              <a:t>Advanced Dimensionality Reduction </a:t>
+            </a:r>
+            <a:r>
+              <a:rPr lang="en-US" sz="1800"/>
+              <a:t>in </a:t>
+            </a:r>
+            <a:r>
+              <a:rPr lang="en-US" sz="1800" smtClean="0"/>
+              <a:t>R </a:t>
+            </a:r>
+            <a:r>
+              <a:rPr lang="en-US" sz="1800" b="1">
+                <a:solidFill>
+                  <a:srgbClr val="FF0000"/>
+                </a:solidFill>
+              </a:rPr>
+              <a:t>(</a:t>
+            </a:r>
+            <a:r>
+              <a:rPr lang="en-US" sz="1800" b="1" smtClean="0">
+                <a:solidFill>
+                  <a:srgbClr val="FF0000"/>
+                </a:solidFill>
+              </a:rPr>
+              <a:t>13)</a:t>
+            </a:r>
+            <a:endParaRPr lang="en-US" sz="1800" dirty="0"/>
           </a:p>
           <a:p>
             <a:pPr marL="514350" indent="-514350">
@@ -4504,8 +4709,33 @@
             </a:pPr>
             <a:r>
               <a:rPr lang="en-US" sz="1800" dirty="0"/>
-              <a:t>Advanced Dimensionality Reduction in R</a:t>
-            </a:r>
+              <a:t>Feature Engineering </a:t>
+            </a:r>
+            <a:r>
+              <a:rPr lang="en-US" sz="1800"/>
+              <a:t>in </a:t>
+            </a:r>
+            <a:r>
+              <a:rPr lang="en-US" sz="1800" smtClean="0"/>
+              <a:t>R </a:t>
+            </a:r>
+            <a:r>
+              <a:rPr lang="en-US" sz="1800" b="1">
+                <a:solidFill>
+                  <a:srgbClr val="FF0000"/>
+                </a:solidFill>
+              </a:rPr>
+              <a:t>(</a:t>
+            </a:r>
+            <a:r>
+              <a:rPr lang="en-US" sz="1800" b="1" smtClean="0">
+                <a:solidFill>
+                  <a:srgbClr val="FF0000"/>
+                </a:solidFill>
+              </a:rPr>
+              <a:t>14)</a:t>
+            </a:r>
+            <a:endParaRPr lang="en-US" sz="1800" dirty="0"/>
           </a:p>
           <a:p>
             <a:pPr marL="514350" indent="-514350">
@@ -4514,8 +4744,25 @@
             </a:pPr>
             <a:r>
               <a:rPr lang="en-US" sz="1800" dirty="0"/>
-              <a:t>Feature Engineering in R</a:t>
-            </a:r>
+              <a:t>Support Vector Machines </a:t>
+            </a:r>
+            <a:r>
+              <a:rPr lang="en-US" sz="1800"/>
+              <a:t>in </a:t>
+            </a:r>
+            <a:r>
+              <a:rPr lang="en-US" sz="1800" smtClean="0"/>
+              <a:t>R </a:t>
+            </a:r>
+            <a:r>
+              <a:rPr lang="en-US" sz="1800" b="1" smtClean="0">
+                <a:solidFill>
+                  <a:srgbClr val="FF0000"/>
+                </a:solidFill>
+              </a:rPr>
+              <a:t>(7)</a:t>
+            </a:r>
+            <a:endParaRPr lang="en-US" sz="1800" dirty="0"/>
           </a:p>
           <a:p>
             <a:pPr marL="514350" indent="-514350">
@@ -4524,8 +4771,33 @@
             </a:pPr>
             <a:r>
               <a:rPr lang="en-US" sz="1800" dirty="0"/>
-              <a:t>Support Vector Machines in R</a:t>
-            </a:r>
+              <a:t>Hyperparameter Tuning </a:t>
+            </a:r>
+            <a:r>
+              <a:rPr lang="en-US" sz="1800"/>
+              <a:t>in </a:t>
+            </a:r>
+            <a:r>
+              <a:rPr lang="en-US" sz="1800" smtClean="0"/>
+              <a:t>R </a:t>
+            </a:r>
+            <a:r>
+              <a:rPr lang="en-US" sz="1800" b="1">
+                <a:solidFill>
+                  <a:srgbClr val="FF0000"/>
+                </a:solidFill>
+              </a:rPr>
+              <a:t>(</a:t>
+            </a:r>
+            <a:r>
+              <a:rPr lang="en-US" sz="1800" b="1" smtClean="0">
+                <a:solidFill>
+                  <a:srgbClr val="FF0000"/>
+                </a:solidFill>
+              </a:rPr>
+              <a:t>12)</a:t>
+            </a:r>
+            <a:endParaRPr lang="en-US" sz="1800" dirty="0"/>
           </a:p>
           <a:p>
             <a:pPr marL="514350" indent="-514350">
@@ -4534,8 +4806,25 @@
             </a:pPr>
             <a:r>
               <a:rPr lang="en-US" sz="1800" dirty="0"/>
-              <a:t>Hyperparameter Tuning in R</a:t>
-            </a:r>
+              <a:t>Supervised Learning in R: </a:t>
+            </a:r>
+            <a:r>
+              <a:rPr lang="en-US" sz="1800"/>
+              <a:t>Case </a:t>
+            </a:r>
+            <a:r>
+              <a:rPr lang="en-US" sz="1800" smtClean="0"/>
+              <a:t>Studies </a:t>
+            </a:r>
+            <a:r>
+              <a:rPr lang="en-US" sz="1800" b="1" smtClean="0">
+                <a:solidFill>
+                  <a:srgbClr val="FF0000"/>
+                </a:solidFill>
+              </a:rPr>
+              <a:t>(11)</a:t>
+            </a:r>
+            <a:endParaRPr lang="en-US" sz="1800" dirty="0"/>
           </a:p>
           <a:p>
             <a:pPr marL="514350" indent="-514350">
@@ -4544,8 +4833,33 @@
             </a:pPr>
             <a:r>
               <a:rPr lang="en-US" sz="1800" dirty="0"/>
-              <a:t>Supervised Learning in R: Case Studies</a:t>
-            </a:r>
+              <a:t>Topic Modeling </a:t>
+            </a:r>
+            <a:r>
+              <a:rPr lang="en-US" sz="1800"/>
+              <a:t>in </a:t>
+            </a:r>
+            <a:r>
+              <a:rPr lang="en-US" sz="1800" smtClean="0"/>
+              <a:t>R </a:t>
+            </a:r>
+            <a:r>
+              <a:rPr lang="en-US" sz="1800" b="1">
+                <a:solidFill>
+                  <a:srgbClr val="FF0000"/>
+                </a:solidFill>
+              </a:rPr>
+              <a:t>(</a:t>
+            </a:r>
+            <a:r>
+              <a:rPr lang="en-US" sz="1800" b="1" smtClean="0">
+                <a:solidFill>
+                  <a:srgbClr val="FF0000"/>
+                </a:solidFill>
+              </a:rPr>
+              <a:t>15)</a:t>
+            </a:r>
+            <a:endParaRPr lang="en-US" sz="1800" dirty="0"/>
           </a:p>
           <a:p>
             <a:pPr marL="514350" indent="-514350">
@@ -4554,18 +4868,33 @@
             </a:pPr>
             <a:r>
               <a:rPr lang="en-US" sz="1800" dirty="0"/>
-              <a:t>Topic Modeling in R</a:t>
-            </a:r>
-          </a:p>
-          <a:p>
-            <a:pPr marL="514350" indent="-514350">
-              <a:buFont typeface="+mj-lt"/>
-              <a:buAutoNum type="arabicPeriod"/>
-            </a:pPr>
-            <a:r>
-              <a:rPr lang="en-US" sz="1800" dirty="0"/>
-              <a:t>Fraud Detection in R</a:t>
-            </a:r>
+              <a:t>Fraud Detection </a:t>
+            </a:r>
+            <a:r>
+              <a:rPr lang="en-US" sz="1800"/>
+              <a:t>in </a:t>
+            </a:r>
+            <a:r>
+              <a:rPr lang="en-US" sz="1800" smtClean="0"/>
+              <a:t>R </a:t>
+            </a:r>
+            <a:r>
+              <a:rPr lang="en-US" sz="1800" b="1">
+                <a:solidFill>
+                  <a:srgbClr val="FF0000"/>
+                </a:solidFill>
+              </a:rPr>
+              <a:t>(</a:t>
+            </a:r>
+            <a:r>
+              <a:rPr lang="en-US" sz="1800" b="1" smtClean="0">
+                <a:solidFill>
+                  <a:srgbClr val="FF0000"/>
+                </a:solidFill>
+              </a:rPr>
+              <a:t>16)</a:t>
+            </a:r>
+            <a:endParaRPr lang="en-US" sz="1800" dirty="0"/>
           </a:p>
           <a:p>
             <a:pPr marL="514350" indent="-514350">
@@ -4632,7 +4961,7 @@
               <a:rPr lang="en-US">
                 <a:latin typeface="+mn-lt"/>
               </a:rPr>
-              <a:t>Introduction to Machine Learning</a:t>
+              <a:t>Cluster Analysis in R</a:t>
             </a:r>
           </a:p>
         </p:txBody>
@@ -4649,8 +4978,8 @@
         </p:nvSpPr>
         <p:spPr>
           <a:xfrm>
-            <a:off x="685800" y="1251883"/>
-            <a:ext cx="5181600" cy="1885764"/>
+            <a:off x="685799" y="1251883"/>
+            <a:ext cx="6312647" cy="1885764"/>
           </a:xfrm>
         </p:spPr>
         <p:txBody>
@@ -4665,47 +4994,37 @@
             </a:pPr>
             <a:r>
               <a:rPr lang="en-US" sz="1800"/>
-              <a:t>What is Machine Learning?</a:t>
-            </a:r>
-          </a:p>
-          <a:p>
-            <a:pPr marL="514350" indent="-514350">
-              <a:buFont typeface="+mj-lt"/>
-              <a:buAutoNum type="arabicPeriod"/>
-            </a:pPr>
-            <a:r>
-              <a:rPr lang="en-US" sz="1800"/>
-              <a:t>Performance Measures</a:t>
-            </a:r>
-          </a:p>
-          <a:p>
-            <a:pPr marL="514350" indent="-514350">
-              <a:buFont typeface="+mj-lt"/>
-              <a:buAutoNum type="arabicPeriod"/>
-            </a:pPr>
-            <a:r>
-              <a:rPr lang="en-US" sz="1800"/>
-              <a:t>Classification</a:t>
-            </a:r>
-          </a:p>
-          <a:p>
-            <a:pPr marL="514350" indent="-514350">
-              <a:buFont typeface="+mj-lt"/>
-              <a:buAutoNum type="arabicPeriod"/>
-            </a:pPr>
-            <a:r>
-              <a:rPr lang="en-US" sz="1800"/>
-              <a:t>Regression</a:t>
-            </a:r>
-          </a:p>
-          <a:p>
-            <a:pPr marL="514350" indent="-514350">
-              <a:buFont typeface="+mj-lt"/>
-              <a:buAutoNum type="arabicPeriod"/>
-            </a:pPr>
-            <a:r>
-              <a:rPr lang="en-US" sz="1800"/>
-              <a:t>Clustering</a:t>
+              <a:t>Calculating Distance Between Observations</a:t>
+            </a:r>
+          </a:p>
+          <a:p>
+            <a:pPr marL="514350" indent="-514350">
+              <a:buFont typeface="+mj-lt"/>
+              <a:buAutoNum type="arabicPeriod"/>
+            </a:pPr>
+            <a:r>
+              <a:rPr lang="en-US" sz="1800"/>
+              <a:t>Hierarchical Clustering</a:t>
+            </a:r>
+          </a:p>
+          <a:p>
+            <a:pPr marL="514350" indent="-514350">
+              <a:buFont typeface="+mj-lt"/>
+              <a:buAutoNum type="arabicPeriod"/>
+            </a:pPr>
+            <a:r>
+              <a:rPr lang="en-US" sz="1800"/>
+              <a:t>K-Means Clustering</a:t>
+            </a:r>
+          </a:p>
+          <a:p>
+            <a:pPr marL="514350" indent="-514350">
+              <a:buFont typeface="+mj-lt"/>
+              <a:buAutoNum type="arabicPeriod"/>
+            </a:pPr>
+            <a:r>
+              <a:rPr lang="en-US" sz="1800"/>
+              <a:t>Case Study: National Occupational Mean Wage</a:t>
             </a:r>
           </a:p>
         </p:txBody>
@@ -4713,7 +5032,7 @@
     </p:spTree>
     <p:extLst>
       <p:ext uri="{BB962C8B-B14F-4D97-AF65-F5344CB8AC3E}">
-        <p14:creationId xmlns:p14="http://schemas.microsoft.com/office/powerpoint/2010/main" val="2674341711"/>
+        <p14:creationId xmlns:p14="http://schemas.microsoft.com/office/powerpoint/2010/main" val="2276483989"/>
       </p:ext>
     </p:extLst>
   </p:cSld>
@@ -4766,7 +5085,7 @@
               <a:rPr lang="en-US">
                 <a:latin typeface="+mn-lt"/>
               </a:rPr>
-              <a:t>Supervised Learning in R: Classification</a:t>
+              <a:t>Unsupervised Learning in R</a:t>
             </a:r>
           </a:p>
         </p:txBody>
@@ -4783,8 +5102,8 @@
         </p:nvSpPr>
         <p:spPr>
           <a:xfrm>
-            <a:off x="685800" y="1251883"/>
-            <a:ext cx="5181600" cy="1885764"/>
+            <a:off x="685799" y="1251883"/>
+            <a:ext cx="7603566" cy="1885764"/>
           </a:xfrm>
         </p:spPr>
         <p:txBody>
@@ -4799,37 +5118,37 @@
             </a:pPr>
             <a:r>
               <a:rPr lang="en-US" sz="1800"/>
-              <a:t>k-Nearest Neighbors (kNN)</a:t>
-            </a:r>
-          </a:p>
-          <a:p>
-            <a:pPr marL="514350" indent="-514350">
-              <a:buFont typeface="+mj-lt"/>
-              <a:buAutoNum type="arabicPeriod"/>
-            </a:pPr>
-            <a:r>
-              <a:rPr lang="en-US" sz="1800"/>
-              <a:t>Naive Bayes</a:t>
-            </a:r>
-          </a:p>
-          <a:p>
-            <a:pPr marL="514350" indent="-514350">
-              <a:buFont typeface="+mj-lt"/>
-              <a:buAutoNum type="arabicPeriod"/>
-            </a:pPr>
-            <a:r>
-              <a:rPr lang="en-US" sz="1800"/>
-              <a:t>Logistic Regression</a:t>
-            </a:r>
-          </a:p>
-          <a:p>
-            <a:pPr marL="514350" indent="-514350">
-              <a:buFont typeface="+mj-lt"/>
-              <a:buAutoNum type="arabicPeriod"/>
-            </a:pPr>
-            <a:r>
-              <a:rPr lang="en-US" sz="1800"/>
-              <a:t>Classification Tree</a:t>
+              <a:t>Unsupervised Learning in R</a:t>
+            </a:r>
+          </a:p>
+          <a:p>
+            <a:pPr marL="514350" indent="-514350">
+              <a:buFont typeface="+mj-lt"/>
+              <a:buAutoNum type="arabicPeriod"/>
+            </a:pPr>
+            <a:r>
+              <a:rPr lang="en-US" sz="1800"/>
+              <a:t>Hirearchical Clustering</a:t>
+            </a:r>
+          </a:p>
+          <a:p>
+            <a:pPr marL="514350" indent="-514350">
+              <a:buFont typeface="+mj-lt"/>
+              <a:buAutoNum type="arabicPeriod"/>
+            </a:pPr>
+            <a:r>
+              <a:rPr lang="en-US" sz="1800"/>
+              <a:t>Dimensionality Reduction with PCA</a:t>
+            </a:r>
+          </a:p>
+          <a:p>
+            <a:pPr marL="514350" indent="-514350">
+              <a:buFont typeface="+mj-lt"/>
+              <a:buAutoNum type="arabicPeriod"/>
+            </a:pPr>
+            <a:r>
+              <a:rPr lang="en-US" sz="1800"/>
+              <a:t>Putting It All Together with a Case Study</a:t>
             </a:r>
           </a:p>
         </p:txBody>
@@ -4837,7 +5156,7 @@
     </p:spTree>
     <p:extLst>
       <p:ext uri="{BB962C8B-B14F-4D97-AF65-F5344CB8AC3E}">
-        <p14:creationId xmlns:p14="http://schemas.microsoft.com/office/powerpoint/2010/main" val="2522503165"/>
+        <p14:creationId xmlns:p14="http://schemas.microsoft.com/office/powerpoint/2010/main" val="2996042427"/>
       </p:ext>
     </p:extLst>
   </p:cSld>
@@ -4890,7 +5209,7 @@
               <a:rPr lang="en-US">
                 <a:latin typeface="+mn-lt"/>
               </a:rPr>
-              <a:t>Topic Modeling in R</a:t>
+              <a:t>Machine Learning with Tree-Based Models in R</a:t>
             </a:r>
           </a:p>
         </p:txBody>
@@ -4908,7 +5227,7 @@
         <p:spPr>
           <a:xfrm>
             <a:off x="685799" y="1251883"/>
-            <a:ext cx="6312647" cy="1885764"/>
+            <a:ext cx="7603566" cy="1885764"/>
           </a:xfrm>
         </p:spPr>
         <p:txBody>
@@ -4923,37 +5242,47 @@
             </a:pPr>
             <a:r>
               <a:rPr lang="en-US" sz="1800"/>
-              <a:t>Quick Introduction to the Workflow</a:t>
-            </a:r>
-          </a:p>
-          <a:p>
-            <a:pPr marL="514350" indent="-514350">
-              <a:buFont typeface="+mj-lt"/>
-              <a:buAutoNum type="arabicPeriod"/>
-            </a:pPr>
-            <a:r>
-              <a:rPr lang="en-US" sz="1800"/>
-              <a:t>Naive Wordclouds, Stopwords, and Control Arguments</a:t>
-            </a:r>
-          </a:p>
-          <a:p>
-            <a:pPr marL="514350" indent="-514350">
-              <a:buFont typeface="+mj-lt"/>
-              <a:buAutoNum type="arabicPeriod"/>
-            </a:pPr>
-            <a:r>
-              <a:rPr lang="en-US" sz="1800"/>
-              <a:t>Named Entity Recognition as Unsupervised Classification</a:t>
-            </a:r>
-          </a:p>
-          <a:p>
-            <a:pPr marL="514350" indent="-514350">
-              <a:buFont typeface="+mj-lt"/>
-              <a:buAutoNum type="arabicPeriod"/>
-            </a:pPr>
-            <a:r>
-              <a:rPr lang="en-US" sz="1800"/>
-              <a:t>How Many Topics in Enough?</a:t>
+              <a:t>Classifciation Trees</a:t>
+            </a:r>
+          </a:p>
+          <a:p>
+            <a:pPr marL="514350" indent="-514350">
+              <a:buFont typeface="+mj-lt"/>
+              <a:buAutoNum type="arabicPeriod"/>
+            </a:pPr>
+            <a:r>
+              <a:rPr lang="en-US" sz="1800"/>
+              <a:t>Regression Trees</a:t>
+            </a:r>
+          </a:p>
+          <a:p>
+            <a:pPr marL="514350" indent="-514350">
+              <a:buFont typeface="+mj-lt"/>
+              <a:buAutoNum type="arabicPeriod"/>
+            </a:pPr>
+            <a:r>
+              <a:rPr lang="en-US" sz="1800"/>
+              <a:t>Bagged Trees</a:t>
+            </a:r>
+          </a:p>
+          <a:p>
+            <a:pPr marL="514350" indent="-514350">
+              <a:buFont typeface="+mj-lt"/>
+              <a:buAutoNum type="arabicPeriod"/>
+            </a:pPr>
+            <a:r>
+              <a:rPr lang="en-US" sz="1800"/>
+              <a:t>Random Forests</a:t>
+            </a:r>
+          </a:p>
+          <a:p>
+            <a:pPr marL="514350" indent="-514350">
+              <a:buFont typeface="+mj-lt"/>
+              <a:buAutoNum type="arabicPeriod"/>
+            </a:pPr>
+            <a:r>
+              <a:rPr lang="en-US" sz="1800"/>
+              <a:t>Boosted Trees</a:t>
             </a:r>
           </a:p>
         </p:txBody>
@@ -4961,7 +5290,7 @@
     </p:spTree>
     <p:extLst>
       <p:ext uri="{BB962C8B-B14F-4D97-AF65-F5344CB8AC3E}">
-        <p14:creationId xmlns:p14="http://schemas.microsoft.com/office/powerpoint/2010/main" val="3120564692"/>
+        <p14:creationId xmlns:p14="http://schemas.microsoft.com/office/powerpoint/2010/main" val="3147102519"/>
       </p:ext>
     </p:extLst>
   </p:cSld>
@@ -5014,7 +5343,7 @@
               <a:rPr lang="en-US">
                 <a:latin typeface="+mn-lt"/>
               </a:rPr>
-              <a:t>Cluster Analysis in R</a:t>
+              <a:t>Introduction to Machine Learning</a:t>
             </a:r>
           </a:p>
         </p:txBody>
@@ -5031,8 +5360,8 @@
         </p:nvSpPr>
         <p:spPr>
           <a:xfrm>
-            <a:off x="685799" y="1251883"/>
-            <a:ext cx="6312647" cy="1885764"/>
+            <a:off x="685800" y="1251883"/>
+            <a:ext cx="5181600" cy="1885764"/>
           </a:xfrm>
         </p:spPr>
         <p:txBody>
@@ -5047,37 +5376,47 @@
             </a:pPr>
             <a:r>
               <a:rPr lang="en-US" sz="1800"/>
-              <a:t>Calculating Distance Between Observations</a:t>
-            </a:r>
-          </a:p>
-          <a:p>
-            <a:pPr marL="514350" indent="-514350">
-              <a:buFont typeface="+mj-lt"/>
-              <a:buAutoNum type="arabicPeriod"/>
-            </a:pPr>
-            <a:r>
-              <a:rPr lang="en-US" sz="1800"/>
-              <a:t>Hierarchical Clustering</a:t>
-            </a:r>
-          </a:p>
-          <a:p>
-            <a:pPr marL="514350" indent="-514350">
-              <a:buFont typeface="+mj-lt"/>
-              <a:buAutoNum type="arabicPeriod"/>
-            </a:pPr>
-            <a:r>
-              <a:rPr lang="en-US" sz="1800"/>
-              <a:t>K-Means Clustering</a:t>
-            </a:r>
-          </a:p>
-          <a:p>
-            <a:pPr marL="514350" indent="-514350">
-              <a:buFont typeface="+mj-lt"/>
-              <a:buAutoNum type="arabicPeriod"/>
-            </a:pPr>
-            <a:r>
-              <a:rPr lang="en-US" sz="1800"/>
-              <a:t>Case Study: National Occupational Mean Wage</a:t>
+              <a:t>What is Machine Learning?</a:t>
+            </a:r>
+          </a:p>
+          <a:p>
+            <a:pPr marL="514350" indent="-514350">
+              <a:buFont typeface="+mj-lt"/>
+              <a:buAutoNum type="arabicPeriod"/>
+            </a:pPr>
+            <a:r>
+              <a:rPr lang="en-US" sz="1800"/>
+              <a:t>Performance Measures</a:t>
+            </a:r>
+          </a:p>
+          <a:p>
+            <a:pPr marL="514350" indent="-514350">
+              <a:buFont typeface="+mj-lt"/>
+              <a:buAutoNum type="arabicPeriod"/>
+            </a:pPr>
+            <a:r>
+              <a:rPr lang="en-US" sz="1800"/>
+              <a:t>Classification</a:t>
+            </a:r>
+          </a:p>
+          <a:p>
+            <a:pPr marL="514350" indent="-514350">
+              <a:buFont typeface="+mj-lt"/>
+              <a:buAutoNum type="arabicPeriod"/>
+            </a:pPr>
+            <a:r>
+              <a:rPr lang="en-US" sz="1800"/>
+              <a:t>Regression</a:t>
+            </a:r>
+          </a:p>
+          <a:p>
+            <a:pPr marL="514350" indent="-514350">
+              <a:buFont typeface="+mj-lt"/>
+              <a:buAutoNum type="arabicPeriod"/>
+            </a:pPr>
+            <a:r>
+              <a:rPr lang="en-US" sz="1800"/>
+              <a:t>Clustering</a:t>
             </a:r>
           </a:p>
         </p:txBody>
@@ -5085,7 +5424,7 @@
     </p:spTree>
     <p:extLst>
       <p:ext uri="{BB962C8B-B14F-4D97-AF65-F5344CB8AC3E}">
-        <p14:creationId xmlns:p14="http://schemas.microsoft.com/office/powerpoint/2010/main" val="2276483989"/>
+        <p14:creationId xmlns:p14="http://schemas.microsoft.com/office/powerpoint/2010/main" val="2674341711"/>
       </p:ext>
     </p:extLst>
   </p:cSld>
@@ -5138,7 +5477,7 @@
               <a:rPr lang="en-US">
                 <a:latin typeface="+mn-lt"/>
               </a:rPr>
-              <a:t>Machine Learning Toolbox</a:t>
+              <a:t>Modeling with Data in the Tidyverse</a:t>
             </a:r>
           </a:p>
         </p:txBody>
@@ -5171,47 +5510,37 @@
             </a:pPr>
             <a:r>
               <a:rPr lang="en-US" sz="1800"/>
-              <a:t>Regression Models: Fitting Them and Evaluating Their Performance</a:t>
-            </a:r>
-          </a:p>
-          <a:p>
-            <a:pPr marL="514350" indent="-514350">
-              <a:buFont typeface="+mj-lt"/>
-              <a:buAutoNum type="arabicPeriod"/>
-            </a:pPr>
-            <a:r>
-              <a:rPr lang="en-US" sz="1800"/>
-              <a:t>Classification Models: Fitting Them and Evaluating Their Performance</a:t>
-            </a:r>
-          </a:p>
-          <a:p>
-            <a:pPr marL="514350" indent="-514350">
-              <a:buFont typeface="+mj-lt"/>
-              <a:buAutoNum type="arabicPeriod"/>
-            </a:pPr>
-            <a:r>
-              <a:rPr lang="en-US" sz="1800"/>
-              <a:t>Tuning Model Parameters to Improve Performance</a:t>
-            </a:r>
-          </a:p>
-          <a:p>
-            <a:pPr marL="514350" indent="-514350">
-              <a:buFont typeface="+mj-lt"/>
-              <a:buAutoNum type="arabicPeriod"/>
-            </a:pPr>
-            <a:r>
-              <a:rPr lang="en-US" sz="1800"/>
-              <a:t>Preprocessing Your Data</a:t>
-            </a:r>
-          </a:p>
-          <a:p>
-            <a:pPr marL="514350" indent="-514350">
-              <a:buFont typeface="+mj-lt"/>
-              <a:buAutoNum type="arabicPeriod"/>
-            </a:pPr>
-            <a:r>
-              <a:rPr lang="en-US" sz="1800"/>
-              <a:t>Selecting Models: A Case Study in Churn Prediction</a:t>
+              <a:t>Introduction to Modeling</a:t>
+            </a:r>
+          </a:p>
+          <a:p>
+            <a:pPr marL="514350" indent="-514350">
+              <a:buFont typeface="+mj-lt"/>
+              <a:buAutoNum type="arabicPeriod"/>
+            </a:pPr>
+            <a:r>
+              <a:rPr lang="en-US" sz="1800"/>
+              <a:t>Modeling with Basic Regression</a:t>
+            </a:r>
+          </a:p>
+          <a:p>
+            <a:pPr marL="514350" indent="-514350">
+              <a:buFont typeface="+mj-lt"/>
+              <a:buAutoNum type="arabicPeriod"/>
+            </a:pPr>
+            <a:r>
+              <a:rPr lang="en-US" sz="1800"/>
+              <a:t>Modeling with Multiple Regression</a:t>
+            </a:r>
+          </a:p>
+          <a:p>
+            <a:pPr marL="514350" indent="-514350">
+              <a:buFont typeface="+mj-lt"/>
+              <a:buAutoNum type="arabicPeriod"/>
+            </a:pPr>
+            <a:r>
+              <a:rPr lang="en-US" sz="1800"/>
+              <a:t>Model Assessment and Selection</a:t>
             </a:r>
           </a:p>
         </p:txBody>
@@ -5219,7 +5548,7 @@
     </p:spTree>
     <p:extLst>
       <p:ext uri="{BB962C8B-B14F-4D97-AF65-F5344CB8AC3E}">
-        <p14:creationId xmlns:p14="http://schemas.microsoft.com/office/powerpoint/2010/main" val="963539468"/>
+        <p14:creationId xmlns:p14="http://schemas.microsoft.com/office/powerpoint/2010/main" val="3512555247"/>
       </p:ext>
     </p:extLst>
   </p:cSld>
@@ -5272,7 +5601,7 @@
               <a:rPr lang="en-US">
                 <a:latin typeface="+mn-lt"/>
               </a:rPr>
-              <a:t>Unsupervised Learning in R</a:t>
+              <a:t>Machine Learning in the Tidyverse</a:t>
             </a:r>
           </a:p>
         </p:txBody>
@@ -5305,37 +5634,37 @@
             </a:pPr>
             <a:r>
               <a:rPr lang="en-US" sz="1800"/>
-              <a:t>Unsupervised Learning in R</a:t>
-            </a:r>
-          </a:p>
-          <a:p>
-            <a:pPr marL="514350" indent="-514350">
-              <a:buFont typeface="+mj-lt"/>
-              <a:buAutoNum type="arabicPeriod"/>
-            </a:pPr>
-            <a:r>
-              <a:rPr lang="en-US" sz="1800"/>
-              <a:t>Hirearchical Clustering</a:t>
-            </a:r>
-          </a:p>
-          <a:p>
-            <a:pPr marL="514350" indent="-514350">
-              <a:buFont typeface="+mj-lt"/>
-              <a:buAutoNum type="arabicPeriod"/>
-            </a:pPr>
-            <a:r>
-              <a:rPr lang="en-US" sz="1800"/>
-              <a:t>Dimensionality Reduction with PCA</a:t>
-            </a:r>
-          </a:p>
-          <a:p>
-            <a:pPr marL="514350" indent="-514350">
-              <a:buFont typeface="+mj-lt"/>
-              <a:buAutoNum type="arabicPeriod"/>
-            </a:pPr>
-            <a:r>
-              <a:rPr lang="en-US" sz="1800"/>
-              <a:t>Putting It All Together with a Case Study</a:t>
+              <a:t>Foundations of “tidy” Machine Learning</a:t>
+            </a:r>
+          </a:p>
+          <a:p>
+            <a:pPr marL="514350" indent="-514350">
+              <a:buFont typeface="+mj-lt"/>
+              <a:buAutoNum type="arabicPeriod"/>
+            </a:pPr>
+            <a:r>
+              <a:rPr lang="en-US" sz="1800"/>
+              <a:t>Multiple Models with broom</a:t>
+            </a:r>
+          </a:p>
+          <a:p>
+            <a:pPr marL="514350" indent="-514350">
+              <a:buFont typeface="+mj-lt"/>
+              <a:buAutoNum type="arabicPeriod"/>
+            </a:pPr>
+            <a:r>
+              <a:rPr lang="en-US" sz="1800"/>
+              <a:t>Build, Tune &amp; Evaluate Regression Models</a:t>
+            </a:r>
+          </a:p>
+          <a:p>
+            <a:pPr marL="514350" indent="-514350">
+              <a:buFont typeface="+mj-lt"/>
+              <a:buAutoNum type="arabicPeriod"/>
+            </a:pPr>
+            <a:r>
+              <a:rPr lang="en-US" sz="1800"/>
+              <a:t>Build, Tune &amp; Evaluate Classification Models</a:t>
             </a:r>
           </a:p>
         </p:txBody>
@@ -5343,7 +5672,7 @@
     </p:spTree>
     <p:extLst>
       <p:ext uri="{BB962C8B-B14F-4D97-AF65-F5344CB8AC3E}">
-        <p14:creationId xmlns:p14="http://schemas.microsoft.com/office/powerpoint/2010/main" val="2996042427"/>
+        <p14:creationId xmlns:p14="http://schemas.microsoft.com/office/powerpoint/2010/main" val="3456363821"/>
       </p:ext>
     </p:extLst>
   </p:cSld>
@@ -5396,7 +5725,7 @@
               <a:rPr lang="en-US">
                 <a:latin typeface="+mn-lt"/>
               </a:rPr>
-              <a:t>Machine Learning with Tree-Based Models in R</a:t>
+              <a:t>Machine Learning Toolbox</a:t>
             </a:r>
           </a:p>
         </p:txBody>
@@ -5429,47 +5758,47 @@
             </a:pPr>
             <a:r>
               <a:rPr lang="en-US" sz="1800"/>
-              <a:t>Classifciation Trees</a:t>
-            </a:r>
-          </a:p>
-          <a:p>
-            <a:pPr marL="514350" indent="-514350">
-              <a:buFont typeface="+mj-lt"/>
-              <a:buAutoNum type="arabicPeriod"/>
-            </a:pPr>
-            <a:r>
-              <a:rPr lang="en-US" sz="1800"/>
-              <a:t>Regression Trees</a:t>
-            </a:r>
-          </a:p>
-          <a:p>
-            <a:pPr marL="514350" indent="-514350">
-              <a:buFont typeface="+mj-lt"/>
-              <a:buAutoNum type="arabicPeriod"/>
-            </a:pPr>
-            <a:r>
-              <a:rPr lang="en-US" sz="1800"/>
-              <a:t>Bagged Trees</a:t>
-            </a:r>
-          </a:p>
-          <a:p>
-            <a:pPr marL="514350" indent="-514350">
-              <a:buFont typeface="+mj-lt"/>
-              <a:buAutoNum type="arabicPeriod"/>
-            </a:pPr>
-            <a:r>
-              <a:rPr lang="en-US" sz="1800"/>
-              <a:t>Random Forests</a:t>
-            </a:r>
-          </a:p>
-          <a:p>
-            <a:pPr marL="514350" indent="-514350">
-              <a:buFont typeface="+mj-lt"/>
-              <a:buAutoNum type="arabicPeriod"/>
-            </a:pPr>
-            <a:r>
-              <a:rPr lang="en-US" sz="1800"/>
-              <a:t>Boosted Trees</a:t>
+              <a:t>Regression Models: Fitting Them and Evaluating Their Performance</a:t>
+            </a:r>
+          </a:p>
+          <a:p>
+            <a:pPr marL="514350" indent="-514350">
+              <a:buFont typeface="+mj-lt"/>
+              <a:buAutoNum type="arabicPeriod"/>
+            </a:pPr>
+            <a:r>
+              <a:rPr lang="en-US" sz="1800"/>
+              <a:t>Classification Models: Fitting Them and Evaluating Their Performance</a:t>
+            </a:r>
+          </a:p>
+          <a:p>
+            <a:pPr marL="514350" indent="-514350">
+              <a:buFont typeface="+mj-lt"/>
+              <a:buAutoNum type="arabicPeriod"/>
+            </a:pPr>
+            <a:r>
+              <a:rPr lang="en-US" sz="1800"/>
+              <a:t>Tuning Model Parameters to Improve Performance</a:t>
+            </a:r>
+          </a:p>
+          <a:p>
+            <a:pPr marL="514350" indent="-514350">
+              <a:buFont typeface="+mj-lt"/>
+              <a:buAutoNum type="arabicPeriod"/>
+            </a:pPr>
+            <a:r>
+              <a:rPr lang="en-US" sz="1800"/>
+              <a:t>Preprocessing Your Data</a:t>
+            </a:r>
+          </a:p>
+          <a:p>
+            <a:pPr marL="514350" indent="-514350">
+              <a:buFont typeface="+mj-lt"/>
+              <a:buAutoNum type="arabicPeriod"/>
+            </a:pPr>
+            <a:r>
+              <a:rPr lang="en-US" sz="1800"/>
+              <a:t>Selecting Models: A Case Study in Churn Prediction</a:t>
             </a:r>
           </a:p>
         </p:txBody>
@@ -5477,7 +5806,7 @@
     </p:spTree>
     <p:extLst>
       <p:ext uri="{BB962C8B-B14F-4D97-AF65-F5344CB8AC3E}">
-        <p14:creationId xmlns:p14="http://schemas.microsoft.com/office/powerpoint/2010/main" val="3147102519"/>
+        <p14:creationId xmlns:p14="http://schemas.microsoft.com/office/powerpoint/2010/main" val="963539468"/>
       </p:ext>
     </p:extLst>
   </p:cSld>

--- a/Track - Machine Learning/Machine Learning Curriculum.pptx
+++ b/Track - Machine Learning/Machine Learning Curriculum.pptx
@@ -8,8 +8,8 @@
     <p:sldId id="256" r:id="rId2"/>
     <p:sldId id="257" r:id="rId3"/>
     <p:sldId id="261" r:id="rId4"/>
-    <p:sldId id="263" r:id="rId5"/>
-    <p:sldId id="264" r:id="rId6"/>
+    <p:sldId id="264" r:id="rId5"/>
+    <p:sldId id="263" r:id="rId6"/>
     <p:sldId id="258" r:id="rId7"/>
     <p:sldId id="271" r:id="rId8"/>
     <p:sldId id="272" r:id="rId9"/>
@@ -271,7 +271,7 @@
             <a:fld id="{B61BEF0D-F0BB-DE4B-95CE-6DB70DBA9567}" type="datetimeFigureOut">
               <a:rPr lang="en-US" smtClean="0"/>
               <a:pPr/>
-              <a:t>5/30/2019</a:t>
+              <a:t>6/9/2019</a:t>
             </a:fld>
             <a:endParaRPr lang="en-US" dirty="0"/>
           </a:p>
@@ -441,7 +441,7 @@
             <a:fld id="{B61BEF0D-F0BB-DE4B-95CE-6DB70DBA9567}" type="datetimeFigureOut">
               <a:rPr lang="en-US" smtClean="0"/>
               <a:pPr/>
-              <a:t>5/30/2019</a:t>
+              <a:t>6/9/2019</a:t>
             </a:fld>
             <a:endParaRPr lang="en-US" dirty="0"/>
           </a:p>
@@ -621,7 +621,7 @@
             <a:fld id="{B61BEF0D-F0BB-DE4B-95CE-6DB70DBA9567}" type="datetimeFigureOut">
               <a:rPr lang="en-US" smtClean="0"/>
               <a:pPr/>
-              <a:t>5/30/2019</a:t>
+              <a:t>6/9/2019</a:t>
             </a:fld>
             <a:endParaRPr lang="en-US" dirty="0"/>
           </a:p>
@@ -791,7 +791,7 @@
             <a:fld id="{B61BEF0D-F0BB-DE4B-95CE-6DB70DBA9567}" type="datetimeFigureOut">
               <a:rPr lang="en-US" smtClean="0"/>
               <a:pPr/>
-              <a:t>5/30/2019</a:t>
+              <a:t>6/9/2019</a:t>
             </a:fld>
             <a:endParaRPr lang="en-US" dirty="0"/>
           </a:p>
@@ -1038,7 +1038,7 @@
             <a:fld id="{B61BEF0D-F0BB-DE4B-95CE-6DB70DBA9567}" type="datetimeFigureOut">
               <a:rPr lang="en-US" smtClean="0"/>
               <a:pPr/>
-              <a:t>5/30/2019</a:t>
+              <a:t>6/9/2019</a:t>
             </a:fld>
             <a:endParaRPr lang="en-US" dirty="0"/>
           </a:p>
@@ -1269,7 +1269,7 @@
             <a:fld id="{B61BEF0D-F0BB-DE4B-95CE-6DB70DBA9567}" type="datetimeFigureOut">
               <a:rPr lang="en-US" smtClean="0"/>
               <a:pPr/>
-              <a:t>5/30/2019</a:t>
+              <a:t>6/9/2019</a:t>
             </a:fld>
             <a:endParaRPr lang="en-US" dirty="0"/>
           </a:p>
@@ -1635,7 +1635,7 @@
             <a:fld id="{B61BEF0D-F0BB-DE4B-95CE-6DB70DBA9567}" type="datetimeFigureOut">
               <a:rPr lang="en-US" smtClean="0"/>
               <a:pPr/>
-              <a:t>5/30/2019</a:t>
+              <a:t>6/9/2019</a:t>
             </a:fld>
             <a:endParaRPr lang="en-US" dirty="0"/>
           </a:p>
@@ -1754,7 +1754,7 @@
             <a:fld id="{B61BEF0D-F0BB-DE4B-95CE-6DB70DBA9567}" type="datetimeFigureOut">
               <a:rPr lang="en-US" smtClean="0"/>
               <a:pPr/>
-              <a:t>5/30/2019</a:t>
+              <a:t>6/9/2019</a:t>
             </a:fld>
             <a:endParaRPr lang="en-US" dirty="0"/>
           </a:p>
@@ -1851,7 +1851,7 @@
             <a:fld id="{B61BEF0D-F0BB-DE4B-95CE-6DB70DBA9567}" type="datetimeFigureOut">
               <a:rPr lang="en-US" smtClean="0"/>
               <a:pPr/>
-              <a:t>5/30/2019</a:t>
+              <a:t>6/9/2019</a:t>
             </a:fld>
             <a:endParaRPr lang="en-US" dirty="0"/>
           </a:p>
@@ -2128,7 +2128,7 @@
             <a:fld id="{B61BEF0D-F0BB-DE4B-95CE-6DB70DBA9567}" type="datetimeFigureOut">
               <a:rPr lang="en-US" smtClean="0"/>
               <a:pPr/>
-              <a:t>5/30/2019</a:t>
+              <a:t>6/9/2019</a:t>
             </a:fld>
             <a:endParaRPr lang="en-US" dirty="0"/>
           </a:p>
@@ -2382,7 +2382,7 @@
             <a:fld id="{B61BEF0D-F0BB-DE4B-95CE-6DB70DBA9567}" type="datetimeFigureOut">
               <a:rPr lang="en-US" smtClean="0"/>
               <a:pPr/>
-              <a:t>5/30/2019</a:t>
+              <a:t>6/9/2019</a:t>
             </a:fld>
             <a:endParaRPr lang="en-US" dirty="0"/>
           </a:p>
@@ -2595,7 +2595,7 @@
             <a:fld id="{B61BEF0D-F0BB-DE4B-95CE-6DB70DBA9567}" type="datetimeFigureOut">
               <a:rPr lang="en-US" smtClean="0"/>
               <a:pPr/>
-              <a:t>5/30/2019</a:t>
+              <a:t>6/9/2019</a:t>
             </a:fld>
             <a:endParaRPr lang="en-US" dirty="0"/>
           </a:p>
@@ -4404,235 +4404,7 @@
             </a:pPr>
             <a:r>
               <a:rPr lang="en-US" sz="1800" dirty="0"/>
-              <a:t>Introduction to </a:t>
-            </a:r>
-            <a:r>
-              <a:rPr lang="en-US" sz="1800"/>
-              <a:t>Machine </a:t>
-            </a:r>
-            <a:r>
-              <a:rPr lang="en-US" sz="1800" smtClean="0"/>
-              <a:t>Learning </a:t>
-            </a:r>
-            <a:r>
-              <a:rPr lang="en-US" sz="1800" b="1" smtClean="0">
-                <a:solidFill>
-                  <a:srgbClr val="FF0000"/>
-                </a:solidFill>
-              </a:rPr>
-              <a:t>(3)</a:t>
-            </a:r>
-            <a:endParaRPr lang="en-US" sz="1800" dirty="0"/>
-          </a:p>
-          <a:p>
-            <a:pPr marL="514350" indent="-514350">
-              <a:buFont typeface="+mj-lt"/>
-              <a:buAutoNum type="arabicPeriod"/>
-            </a:pPr>
-            <a:r>
-              <a:rPr lang="en-US" sz="1800" dirty="0"/>
-              <a:t>Machine </a:t>
-            </a:r>
-            <a:r>
-              <a:rPr lang="en-US" sz="1800"/>
-              <a:t>Learning </a:t>
-            </a:r>
-            <a:r>
-              <a:rPr lang="en-US" sz="1800" smtClean="0"/>
-              <a:t>Toolbox </a:t>
-            </a:r>
-            <a:r>
-              <a:rPr lang="en-US" sz="1800" b="1" smtClean="0">
-                <a:solidFill>
-                  <a:srgbClr val="FF0000"/>
-                </a:solidFill>
-              </a:rPr>
-              <a:t>(6)</a:t>
-            </a:r>
-            <a:endParaRPr lang="en-US" sz="1800" dirty="0"/>
-          </a:p>
-          <a:p>
-            <a:pPr marL="514350" indent="-514350">
-              <a:buFont typeface="+mj-lt"/>
-              <a:buAutoNum type="arabicPeriod"/>
-            </a:pPr>
-            <a:r>
-              <a:rPr lang="en-US" sz="1800" dirty="0"/>
-              <a:t>Modeling with Data in </a:t>
-            </a:r>
-            <a:r>
-              <a:rPr lang="en-US" sz="1800"/>
-              <a:t>the </a:t>
-            </a:r>
-            <a:r>
-              <a:rPr lang="en-US" sz="1800" smtClean="0"/>
-              <a:t>Tidyverse </a:t>
-            </a:r>
-            <a:r>
-              <a:rPr lang="en-US" sz="1800" b="1" smtClean="0">
-                <a:solidFill>
-                  <a:srgbClr val="FF0000"/>
-                </a:solidFill>
-              </a:rPr>
-              <a:t>(4)</a:t>
-            </a:r>
-            <a:endParaRPr lang="en-US" sz="1800" dirty="0"/>
-          </a:p>
-          <a:p>
-            <a:pPr marL="514350" indent="-514350">
-              <a:buFont typeface="+mj-lt"/>
-              <a:buAutoNum type="arabicPeriod"/>
-            </a:pPr>
-            <a:r>
-              <a:rPr lang="en-US" sz="1800" dirty="0"/>
-              <a:t>Machine Learning in </a:t>
-            </a:r>
-            <a:r>
-              <a:rPr lang="en-US" sz="1800"/>
-              <a:t>the </a:t>
-            </a:r>
-            <a:r>
-              <a:rPr lang="en-US" sz="1800" smtClean="0"/>
-              <a:t>Tidyverse </a:t>
-            </a:r>
-            <a:r>
-              <a:rPr lang="en-US" sz="1800" b="1" smtClean="0">
-                <a:solidFill>
-                  <a:srgbClr val="FF0000"/>
-                </a:solidFill>
-              </a:rPr>
-              <a:t>(5)</a:t>
-            </a:r>
-            <a:endParaRPr lang="en-US" sz="1800" dirty="0"/>
-          </a:p>
-          <a:p>
-            <a:pPr marL="514350" indent="-514350">
-              <a:buFont typeface="+mj-lt"/>
-              <a:buAutoNum type="arabicPeriod"/>
-            </a:pPr>
-            <a:r>
-              <a:rPr lang="en-US" sz="1800" dirty="0"/>
-              <a:t>Supervised Learning in R</a:t>
-            </a:r>
-            <a:r>
-              <a:rPr lang="en-US" sz="1800"/>
-              <a:t>: </a:t>
-            </a:r>
-            <a:r>
-              <a:rPr lang="en-US" sz="1800"/>
-              <a:t>Regression </a:t>
-            </a:r>
-            <a:r>
-              <a:rPr lang="en-US" sz="1800" b="1" smtClean="0">
-                <a:solidFill>
-                  <a:srgbClr val="FF0000"/>
-                </a:solidFill>
-              </a:rPr>
-              <a:t>(9)</a:t>
-            </a:r>
-            <a:endParaRPr lang="en-US" sz="1800" dirty="0"/>
-          </a:p>
-          <a:p>
-            <a:pPr marL="514350" indent="-514350">
-              <a:buFont typeface="+mj-lt"/>
-              <a:buAutoNum type="arabicPeriod"/>
-            </a:pPr>
-            <a:r>
-              <a:rPr lang="en-US" sz="1800" smtClean="0"/>
-              <a:t>Supervised Learning in R: Classification </a:t>
-            </a:r>
-            <a:r>
-              <a:rPr lang="en-US" sz="1800" b="1" smtClean="0">
-                <a:solidFill>
-                  <a:srgbClr val="FF0000"/>
-                </a:solidFill>
-              </a:rPr>
-              <a:t>(10)</a:t>
-            </a:r>
-            <a:endParaRPr lang="en-US" sz="1800" smtClean="0"/>
-          </a:p>
-          <a:p>
-            <a:pPr marL="514350" indent="-514350">
-              <a:buFont typeface="+mj-lt"/>
-              <a:buAutoNum type="arabicPeriod"/>
-            </a:pPr>
-            <a:r>
-              <a:rPr lang="en-US" sz="1800" smtClean="0"/>
-              <a:t>Machine </a:t>
-            </a:r>
-            <a:r>
-              <a:rPr lang="en-US" sz="1800" dirty="0"/>
-              <a:t>Learning with Tree-Based Models </a:t>
-            </a:r>
-            <a:r>
-              <a:rPr lang="en-US" sz="1800"/>
-              <a:t>in </a:t>
-            </a:r>
-            <a:r>
-              <a:rPr lang="en-US" sz="1800" smtClean="0"/>
-              <a:t>R </a:t>
-            </a:r>
-            <a:r>
-              <a:rPr lang="en-US" sz="1800" b="1" smtClean="0">
-                <a:solidFill>
-                  <a:srgbClr val="FF0000"/>
-                </a:solidFill>
-              </a:rPr>
-              <a:t>(2)</a:t>
-            </a:r>
-            <a:endParaRPr lang="en-US" sz="1800" dirty="0"/>
-          </a:p>
-          <a:p>
-            <a:pPr marL="514350" indent="-514350">
-              <a:buFont typeface="+mj-lt"/>
-              <a:buAutoNum type="arabicPeriod"/>
-            </a:pPr>
-            <a:r>
-              <a:rPr lang="en-US" sz="1800" dirty="0"/>
-              <a:t>Unsupervised Learning </a:t>
-            </a:r>
-            <a:r>
-              <a:rPr lang="en-US" sz="1800"/>
-              <a:t>in </a:t>
-            </a:r>
-            <a:r>
-              <a:rPr lang="en-US" sz="1800" smtClean="0"/>
-              <a:t>R </a:t>
-            </a:r>
-            <a:r>
-              <a:rPr lang="en-US" sz="1800" b="1">
-                <a:solidFill>
-                  <a:srgbClr val="FF0000"/>
-                </a:solidFill>
-              </a:rPr>
-              <a:t>(1)</a:t>
-            </a:r>
-            <a:endParaRPr lang="en-US" sz="1800" dirty="0"/>
-          </a:p>
-          <a:p>
-            <a:pPr marL="514350" indent="-514350">
-              <a:buFont typeface="+mj-lt"/>
-              <a:buAutoNum type="arabicPeriod"/>
-            </a:pPr>
-            <a:r>
-              <a:rPr lang="en-US" sz="1800" dirty="0"/>
-              <a:t>Cluster Analysis </a:t>
-            </a:r>
-            <a:r>
-              <a:rPr lang="en-US" sz="1800"/>
-              <a:t>in </a:t>
-            </a:r>
-            <a:r>
-              <a:rPr lang="en-US" sz="1800" smtClean="0"/>
-              <a:t>R </a:t>
-            </a:r>
-            <a:r>
-              <a:rPr lang="en-US" sz="1800" b="1" smtClean="0">
-                <a:solidFill>
-                  <a:srgbClr val="FF0000"/>
-                </a:solidFill>
-              </a:rPr>
-              <a:t>(0)</a:t>
+              <a:t>Cluster Analysis in R</a:t>
             </a:r>
             <a:endParaRPr lang="en-US" sz="1800" b="1" dirty="0">
               <a:solidFill>
@@ -4647,25 +4419,8 @@
             </a:pPr>
             <a:r>
               <a:rPr lang="en-US" sz="1800" dirty="0"/>
-              <a:t>Dimensionality Reduction </a:t>
-            </a:r>
-            <a:r>
-              <a:rPr lang="en-US" sz="1800"/>
-              <a:t>in </a:t>
-            </a:r>
-            <a:r>
-              <a:rPr lang="en-US" sz="1800" smtClean="0"/>
-              <a:t>R </a:t>
-            </a:r>
-            <a:r>
-              <a:rPr lang="en-US" sz="1800" b="1" smtClean="0">
-                <a:solidFill>
-                  <a:srgbClr val="FF0000"/>
-                </a:solidFill>
-              </a:rPr>
-              <a:t>(8)</a:t>
-            </a:r>
-            <a:endParaRPr lang="en-US" sz="1800" dirty="0"/>
+              <a:t>Machine Learning with Tree-Based Models in R</a:t>
+            </a:r>
           </a:p>
           <a:p>
             <a:pPr marL="514350" indent="-514350">
@@ -4674,33 +4429,8 @@
             </a:pPr>
             <a:r>
               <a:rPr lang="en-US" sz="1800" dirty="0"/>
-              <a:t>Advanced Dimensionality Reduction </a:t>
-            </a:r>
-            <a:r>
-              <a:rPr lang="en-US" sz="1800"/>
-              <a:t>in </a:t>
-            </a:r>
-            <a:r>
-              <a:rPr lang="en-US" sz="1800" smtClean="0"/>
-              <a:t>R </a:t>
-            </a:r>
-            <a:r>
-              <a:rPr lang="en-US" sz="1800" b="1">
-                <a:solidFill>
-                  <a:srgbClr val="FF0000"/>
-                </a:solidFill>
-              </a:rPr>
-              <a:t>(</a:t>
-            </a:r>
-            <a:r>
-              <a:rPr lang="en-US" sz="1800" b="1" smtClean="0">
-                <a:solidFill>
-                  <a:srgbClr val="FF0000"/>
-                </a:solidFill>
-              </a:rPr>
-              <a:t>13)</a:t>
-            </a:r>
-            <a:endParaRPr lang="en-US" sz="1800" dirty="0"/>
+              <a:t>Unsupervised Learning in R</a:t>
+            </a:r>
           </a:p>
           <a:p>
             <a:pPr marL="514350" indent="-514350">
@@ -4709,33 +4439,8 @@
             </a:pPr>
             <a:r>
               <a:rPr lang="en-US" sz="1800" dirty="0"/>
-              <a:t>Feature Engineering </a:t>
-            </a:r>
-            <a:r>
-              <a:rPr lang="en-US" sz="1800"/>
-              <a:t>in </a:t>
-            </a:r>
-            <a:r>
-              <a:rPr lang="en-US" sz="1800" smtClean="0"/>
-              <a:t>R </a:t>
-            </a:r>
-            <a:r>
-              <a:rPr lang="en-US" sz="1800" b="1">
-                <a:solidFill>
-                  <a:srgbClr val="FF0000"/>
-                </a:solidFill>
-              </a:rPr>
-              <a:t>(</a:t>
-            </a:r>
-            <a:r>
-              <a:rPr lang="en-US" sz="1800" b="1" smtClean="0">
-                <a:solidFill>
-                  <a:srgbClr val="FF0000"/>
-                </a:solidFill>
-              </a:rPr>
-              <a:t>14)</a:t>
-            </a:r>
-            <a:endParaRPr lang="en-US" sz="1800" dirty="0"/>
+              <a:t>Feature Engineering in R</a:t>
+            </a:r>
           </a:p>
           <a:p>
             <a:pPr marL="514350" indent="-514350">
@@ -4744,25 +4449,8 @@
             </a:pPr>
             <a:r>
               <a:rPr lang="en-US" sz="1800" dirty="0"/>
-              <a:t>Support Vector Machines </a:t>
-            </a:r>
-            <a:r>
-              <a:rPr lang="en-US" sz="1800"/>
-              <a:t>in </a:t>
-            </a:r>
-            <a:r>
-              <a:rPr lang="en-US" sz="1800" smtClean="0"/>
-              <a:t>R </a:t>
-            </a:r>
-            <a:r>
-              <a:rPr lang="en-US" sz="1800" b="1" smtClean="0">
-                <a:solidFill>
-                  <a:srgbClr val="FF0000"/>
-                </a:solidFill>
-              </a:rPr>
-              <a:t>(7)</a:t>
-            </a:r>
-            <a:endParaRPr lang="en-US" sz="1800" dirty="0"/>
+              <a:t>Hyperparameter Tuning in R</a:t>
+            </a:r>
           </a:p>
           <a:p>
             <a:pPr marL="514350" indent="-514350">
@@ -4771,33 +4459,8 @@
             </a:pPr>
             <a:r>
               <a:rPr lang="en-US" sz="1800" dirty="0"/>
-              <a:t>Hyperparameter Tuning </a:t>
-            </a:r>
-            <a:r>
-              <a:rPr lang="en-US" sz="1800"/>
-              <a:t>in </a:t>
-            </a:r>
-            <a:r>
-              <a:rPr lang="en-US" sz="1800" smtClean="0"/>
-              <a:t>R </a:t>
-            </a:r>
-            <a:r>
-              <a:rPr lang="en-US" sz="1800" b="1">
-                <a:solidFill>
-                  <a:srgbClr val="FF0000"/>
-                </a:solidFill>
-              </a:rPr>
-              <a:t>(</a:t>
-            </a:r>
-            <a:r>
-              <a:rPr lang="en-US" sz="1800" b="1" smtClean="0">
-                <a:solidFill>
-                  <a:srgbClr val="FF0000"/>
-                </a:solidFill>
-              </a:rPr>
-              <a:t>12)</a:t>
-            </a:r>
-            <a:endParaRPr lang="en-US" sz="1800" dirty="0"/>
+              <a:t>Dimensionality Reduction in R</a:t>
+            </a:r>
           </a:p>
           <a:p>
             <a:pPr marL="514350" indent="-514350">
@@ -4806,25 +4469,8 @@
             </a:pPr>
             <a:r>
               <a:rPr lang="en-US" sz="1800" dirty="0"/>
-              <a:t>Supervised Learning in R: </a:t>
-            </a:r>
-            <a:r>
-              <a:rPr lang="en-US" sz="1800"/>
-              <a:t>Case </a:t>
-            </a:r>
-            <a:r>
-              <a:rPr lang="en-US" sz="1800" smtClean="0"/>
-              <a:t>Studies </a:t>
-            </a:r>
-            <a:r>
-              <a:rPr lang="en-US" sz="1800" b="1" smtClean="0">
-                <a:solidFill>
-                  <a:srgbClr val="FF0000"/>
-                </a:solidFill>
-              </a:rPr>
-              <a:t>(11)</a:t>
-            </a:r>
-            <a:endParaRPr lang="en-US" sz="1800" dirty="0"/>
+              <a:t>Advanced Dimensionality Reduction in R</a:t>
+            </a:r>
           </a:p>
           <a:p>
             <a:pPr marL="514350" indent="-514350">
@@ -4833,33 +4479,88 @@
             </a:pPr>
             <a:r>
               <a:rPr lang="en-US" sz="1800" dirty="0"/>
-              <a:t>Topic Modeling </a:t>
-            </a:r>
-            <a:r>
-              <a:rPr lang="en-US" sz="1800"/>
-              <a:t>in </a:t>
-            </a:r>
-            <a:r>
-              <a:rPr lang="en-US" sz="1800" smtClean="0"/>
-              <a:t>R </a:t>
-            </a:r>
-            <a:r>
-              <a:rPr lang="en-US" sz="1800" b="1">
-                <a:solidFill>
-                  <a:srgbClr val="FF0000"/>
-                </a:solidFill>
-              </a:rPr>
-              <a:t>(</a:t>
-            </a:r>
-            <a:r>
-              <a:rPr lang="en-US" sz="1800" b="1" smtClean="0">
-                <a:solidFill>
-                  <a:srgbClr val="FF0000"/>
-                </a:solidFill>
-              </a:rPr>
-              <a:t>15)</a:t>
-            </a:r>
-            <a:endParaRPr lang="en-US" sz="1800" dirty="0"/>
+              <a:t>Introduction to Machine Learning</a:t>
+            </a:r>
+          </a:p>
+          <a:p>
+            <a:pPr marL="514350" indent="-514350">
+              <a:buFont typeface="+mj-lt"/>
+              <a:buAutoNum type="arabicPeriod"/>
+            </a:pPr>
+            <a:r>
+              <a:rPr lang="en-US" sz="1800" dirty="0"/>
+              <a:t>Machine Learning Toolbox</a:t>
+            </a:r>
+          </a:p>
+          <a:p>
+            <a:pPr marL="514350" indent="-514350">
+              <a:buFont typeface="+mj-lt"/>
+              <a:buAutoNum type="arabicPeriod"/>
+            </a:pPr>
+            <a:r>
+              <a:rPr lang="en-US" sz="1800" dirty="0"/>
+              <a:t>Modeling with Data in the Tidyverse</a:t>
+            </a:r>
+          </a:p>
+          <a:p>
+            <a:pPr marL="514350" indent="-514350">
+              <a:buFont typeface="+mj-lt"/>
+              <a:buAutoNum type="arabicPeriod"/>
+            </a:pPr>
+            <a:r>
+              <a:rPr lang="en-US" sz="1800" dirty="0"/>
+              <a:t>Machine Learning in the Tidyverse</a:t>
+            </a:r>
+          </a:p>
+          <a:p>
+            <a:pPr marL="514350" indent="-514350">
+              <a:buFont typeface="+mj-lt"/>
+              <a:buAutoNum type="arabicPeriod"/>
+            </a:pPr>
+            <a:r>
+              <a:rPr lang="en-US" sz="1800" dirty="0"/>
+              <a:t>Support Vector Machines in R</a:t>
+            </a:r>
+          </a:p>
+          <a:p>
+            <a:pPr marL="514350" indent="-514350">
+              <a:buFont typeface="+mj-lt"/>
+              <a:buAutoNum type="arabicPeriod"/>
+            </a:pPr>
+            <a:r>
+              <a:rPr lang="en-US" sz="1800" dirty="0"/>
+              <a:t>Supervised Learning in R: Regression</a:t>
+            </a:r>
+          </a:p>
+          <a:p>
+            <a:pPr marL="514350" indent="-514350">
+              <a:buFont typeface="+mj-lt"/>
+              <a:buAutoNum type="arabicPeriod"/>
+            </a:pPr>
+            <a:r>
+              <a:rPr lang="en-US" sz="1800" dirty="0"/>
+              <a:t>Supervised Learning in R: Classification</a:t>
+            </a:r>
+          </a:p>
+          <a:p>
+            <a:pPr marL="514350" indent="-514350">
+              <a:buFont typeface="+mj-lt"/>
+              <a:buAutoNum type="arabicPeriod"/>
+            </a:pPr>
+            <a:r>
+              <a:rPr lang="en-US" sz="1800" dirty="0"/>
+              <a:t>Supervised Learning in R: Case Studies</a:t>
+            </a:r>
+          </a:p>
+          <a:p>
+            <a:pPr marL="514350" indent="-514350">
+              <a:buFont typeface="+mj-lt"/>
+              <a:buAutoNum type="arabicPeriod"/>
+            </a:pPr>
+            <a:r>
+              <a:rPr lang="en-US" sz="1800" dirty="0"/>
+              <a:t>Topic Modeling in R</a:t>
+            </a:r>
           </a:p>
           <a:p>
             <a:pPr marL="514350" indent="-514350">
@@ -4872,27 +4573,7 @@
             </a:r>
             <a:r>
               <a:rPr lang="en-US" sz="1800"/>
-              <a:t>in </a:t>
-            </a:r>
-            <a:r>
-              <a:rPr lang="en-US" sz="1800" smtClean="0"/>
-              <a:t>R </a:t>
-            </a:r>
-            <a:r>
-              <a:rPr lang="en-US" sz="1800" b="1">
-                <a:solidFill>
-                  <a:srgbClr val="FF0000"/>
-                </a:solidFill>
-              </a:rPr>
-              <a:t>(</a:t>
-            </a:r>
-            <a:r>
-              <a:rPr lang="en-US" sz="1800" b="1" smtClean="0">
-                <a:solidFill>
-                  <a:srgbClr val="FF0000"/>
-                </a:solidFill>
-              </a:rPr>
-              <a:t>16)</a:t>
+              <a:t>in R</a:t>
             </a:r>
             <a:endParaRPr lang="en-US" sz="1800" dirty="0"/>
           </a:p>
@@ -5085,7 +4766,7 @@
               <a:rPr lang="en-US">
                 <a:latin typeface="+mn-lt"/>
               </a:rPr>
-              <a:t>Unsupervised Learning in R</a:t>
+              <a:t>Machine Learning with Tree-Based Models in R</a:t>
             </a:r>
           </a:p>
         </p:txBody>
@@ -5118,37 +4799,47 @@
             </a:pPr>
             <a:r>
               <a:rPr lang="en-US" sz="1800"/>
-              <a:t>Unsupervised Learning in R</a:t>
-            </a:r>
-          </a:p>
-          <a:p>
-            <a:pPr marL="514350" indent="-514350">
-              <a:buFont typeface="+mj-lt"/>
-              <a:buAutoNum type="arabicPeriod"/>
-            </a:pPr>
-            <a:r>
-              <a:rPr lang="en-US" sz="1800"/>
-              <a:t>Hirearchical Clustering</a:t>
-            </a:r>
-          </a:p>
-          <a:p>
-            <a:pPr marL="514350" indent="-514350">
-              <a:buFont typeface="+mj-lt"/>
-              <a:buAutoNum type="arabicPeriod"/>
-            </a:pPr>
-            <a:r>
-              <a:rPr lang="en-US" sz="1800"/>
-              <a:t>Dimensionality Reduction with PCA</a:t>
-            </a:r>
-          </a:p>
-          <a:p>
-            <a:pPr marL="514350" indent="-514350">
-              <a:buFont typeface="+mj-lt"/>
-              <a:buAutoNum type="arabicPeriod"/>
-            </a:pPr>
-            <a:r>
-              <a:rPr lang="en-US" sz="1800"/>
-              <a:t>Putting It All Together with a Case Study</a:t>
+              <a:t>Classifciation Trees</a:t>
+            </a:r>
+          </a:p>
+          <a:p>
+            <a:pPr marL="514350" indent="-514350">
+              <a:buFont typeface="+mj-lt"/>
+              <a:buAutoNum type="arabicPeriod"/>
+            </a:pPr>
+            <a:r>
+              <a:rPr lang="en-US" sz="1800"/>
+              <a:t>Regression Trees</a:t>
+            </a:r>
+          </a:p>
+          <a:p>
+            <a:pPr marL="514350" indent="-514350">
+              <a:buFont typeface="+mj-lt"/>
+              <a:buAutoNum type="arabicPeriod"/>
+            </a:pPr>
+            <a:r>
+              <a:rPr lang="en-US" sz="1800"/>
+              <a:t>Bagged Trees</a:t>
+            </a:r>
+          </a:p>
+          <a:p>
+            <a:pPr marL="514350" indent="-514350">
+              <a:buFont typeface="+mj-lt"/>
+              <a:buAutoNum type="arabicPeriod"/>
+            </a:pPr>
+            <a:r>
+              <a:rPr lang="en-US" sz="1800"/>
+              <a:t>Random Forests</a:t>
+            </a:r>
+          </a:p>
+          <a:p>
+            <a:pPr marL="514350" indent="-514350">
+              <a:buFont typeface="+mj-lt"/>
+              <a:buAutoNum type="arabicPeriod"/>
+            </a:pPr>
+            <a:r>
+              <a:rPr lang="en-US" sz="1800"/>
+              <a:t>Boosted Trees</a:t>
             </a:r>
           </a:p>
         </p:txBody>
@@ -5156,7 +4847,7 @@
     </p:spTree>
     <p:extLst>
       <p:ext uri="{BB962C8B-B14F-4D97-AF65-F5344CB8AC3E}">
-        <p14:creationId xmlns:p14="http://schemas.microsoft.com/office/powerpoint/2010/main" val="2996042427"/>
+        <p14:creationId xmlns:p14="http://schemas.microsoft.com/office/powerpoint/2010/main" val="3147102519"/>
       </p:ext>
     </p:extLst>
   </p:cSld>
@@ -5209,7 +4900,7 @@
               <a:rPr lang="en-US">
                 <a:latin typeface="+mn-lt"/>
               </a:rPr>
-              <a:t>Machine Learning with Tree-Based Models in R</a:t>
+              <a:t>Unsupervised Learning in R</a:t>
             </a:r>
           </a:p>
         </p:txBody>
@@ -5242,47 +4933,37 @@
             </a:pPr>
             <a:r>
               <a:rPr lang="en-US" sz="1800"/>
-              <a:t>Classifciation Trees</a:t>
-            </a:r>
-          </a:p>
-          <a:p>
-            <a:pPr marL="514350" indent="-514350">
-              <a:buFont typeface="+mj-lt"/>
-              <a:buAutoNum type="arabicPeriod"/>
-            </a:pPr>
-            <a:r>
-              <a:rPr lang="en-US" sz="1800"/>
-              <a:t>Regression Trees</a:t>
-            </a:r>
-          </a:p>
-          <a:p>
-            <a:pPr marL="514350" indent="-514350">
-              <a:buFont typeface="+mj-lt"/>
-              <a:buAutoNum type="arabicPeriod"/>
-            </a:pPr>
-            <a:r>
-              <a:rPr lang="en-US" sz="1800"/>
-              <a:t>Bagged Trees</a:t>
-            </a:r>
-          </a:p>
-          <a:p>
-            <a:pPr marL="514350" indent="-514350">
-              <a:buFont typeface="+mj-lt"/>
-              <a:buAutoNum type="arabicPeriod"/>
-            </a:pPr>
-            <a:r>
-              <a:rPr lang="en-US" sz="1800"/>
-              <a:t>Random Forests</a:t>
-            </a:r>
-          </a:p>
-          <a:p>
-            <a:pPr marL="514350" indent="-514350">
-              <a:buFont typeface="+mj-lt"/>
-              <a:buAutoNum type="arabicPeriod"/>
-            </a:pPr>
-            <a:r>
-              <a:rPr lang="en-US" sz="1800"/>
-              <a:t>Boosted Trees</a:t>
+              <a:t>Unsupervised Learning in R</a:t>
+            </a:r>
+          </a:p>
+          <a:p>
+            <a:pPr marL="514350" indent="-514350">
+              <a:buFont typeface="+mj-lt"/>
+              <a:buAutoNum type="arabicPeriod"/>
+            </a:pPr>
+            <a:r>
+              <a:rPr lang="en-US" sz="1800"/>
+              <a:t>Hirearchical Clustering</a:t>
+            </a:r>
+          </a:p>
+          <a:p>
+            <a:pPr marL="514350" indent="-514350">
+              <a:buFont typeface="+mj-lt"/>
+              <a:buAutoNum type="arabicPeriod"/>
+            </a:pPr>
+            <a:r>
+              <a:rPr lang="en-US" sz="1800"/>
+              <a:t>Dimensionality Reduction with PCA</a:t>
+            </a:r>
+          </a:p>
+          <a:p>
+            <a:pPr marL="514350" indent="-514350">
+              <a:buFont typeface="+mj-lt"/>
+              <a:buAutoNum type="arabicPeriod"/>
+            </a:pPr>
+            <a:r>
+              <a:rPr lang="en-US" sz="1800"/>
+              <a:t>Putting It All Together with a Case Study</a:t>
             </a:r>
           </a:p>
         </p:txBody>
@@ -5290,7 +4971,7 @@
     </p:spTree>
     <p:extLst>
       <p:ext uri="{BB962C8B-B14F-4D97-AF65-F5344CB8AC3E}">
-        <p14:creationId xmlns:p14="http://schemas.microsoft.com/office/powerpoint/2010/main" val="3147102519"/>
+        <p14:creationId xmlns:p14="http://schemas.microsoft.com/office/powerpoint/2010/main" val="2996042427"/>
       </p:ext>
     </p:extLst>
   </p:cSld>
